--- a/en/ProgrammingLessons/SP3DowngradingHub.pptx
+++ b/en/ProgrammingLessons/SP3DowngradingHub.pptx
@@ -15,13 +15,13 @@
     <p:sldId id="290" r:id="rId3"/>
     <p:sldId id="294" r:id="rId4"/>
     <p:sldId id="296" r:id="rId5"/>
-    <p:sldId id="295" r:id="rId6"/>
-    <p:sldId id="302" r:id="rId7"/>
-    <p:sldId id="297" r:id="rId8"/>
-    <p:sldId id="298" r:id="rId9"/>
-    <p:sldId id="299" r:id="rId10"/>
-    <p:sldId id="300" r:id="rId11"/>
-    <p:sldId id="301" r:id="rId12"/>
+    <p:sldId id="267" r:id="rId6"/>
+    <p:sldId id="268" r:id="rId7"/>
+    <p:sldId id="264" r:id="rId8"/>
+    <p:sldId id="259" r:id="rId9"/>
+    <p:sldId id="260" r:id="rId10"/>
+    <p:sldId id="261" r:id="rId11"/>
+    <p:sldId id="262" r:id="rId12"/>
     <p:sldId id="293" r:id="rId13"/>
   </p:sldIdLst>
   <p:sldSz cx="9144000" cy="6858000" type="screen4x3"/>
@@ -222,7 +222,7 @@
           <a:p>
             <a:fld id="{58040048-1E4D-CD41-AC49-0750EB72586B}" type="datetimeFigureOut">
               <a:rPr lang="en-US" smtClean="0"/>
-              <a:t>6/23/23</a:t>
+              <a:t>6/24/23</a:t>
             </a:fld>
             <a:endParaRPr lang="en-US"/>
           </a:p>
@@ -388,7 +388,7 @@
           <a:p>
             <a:fld id="{2B8484CF-5098-F24E-8881-583515D5C406}" type="datetimeFigureOut">
               <a:rPr lang="en-US" smtClean="0"/>
-              <a:t>6/23/23</a:t>
+              <a:t>6/24/23</a:t>
             </a:fld>
             <a:endParaRPr lang="en-US"/>
           </a:p>
@@ -7048,7 +7048,7 @@
     <p:sldLayoutId id="2147483767" r:id="rId14"/>
     <p:sldLayoutId id="2147483768" r:id="rId15"/>
   </p:sldLayoutIdLst>
-  <p:hf hdr="0" dt="0"/>
+  <p:hf sldNum="0" hdr="0" dt="0"/>
   <p:txStyles>
     <p:titleStyle>
       <a:lvl1pPr algn="l" defTabSz="457200" rtl="0" eaLnBrk="1" latinLnBrk="0" hangingPunct="1">
@@ -7581,12 +7581,196 @@
           <a:chExt cx="0" cy="0"/>
         </a:xfrm>
       </p:grpSpPr>
-      <p:sp>
-        <p:nvSpPr>
-          <p:cNvPr id="2" name="Title 1">
-            <a:extLst>
-              <a:ext uri="{FF2B5EF4-FFF2-40B4-BE49-F238E27FC236}">
-                <a16:creationId xmlns:a16="http://schemas.microsoft.com/office/drawing/2014/main" id="{3D97D6CF-F890-1AF5-E1DF-72FD909F62D0}"/>
+      <p:pic>
+        <p:nvPicPr>
+          <p:cNvPr id="16" name="Picture 15" descr="Chart, line chart&#10;&#10;Description automatically generated">
+            <a:extLst>
+              <a:ext uri="{FF2B5EF4-FFF2-40B4-BE49-F238E27FC236}">
+                <a16:creationId xmlns:a16="http://schemas.microsoft.com/office/drawing/2014/main" id="{6061E9CD-CDD3-3871-977B-5427F419B990}"/>
+              </a:ext>
+            </a:extLst>
+          </p:cNvPr>
+          <p:cNvPicPr>
+            <a:picLocks noChangeAspect="1"/>
+          </p:cNvPicPr>
+          <p:nvPr/>
+        </p:nvPicPr>
+        <p:blipFill>
+          <a:blip r:embed="rId2">
+            <a:extLst>
+              <a:ext uri="{28A0092B-C50C-407E-A947-70E740481C1C}">
+                <a14:useLocalDpi xmlns:a14="http://schemas.microsoft.com/office/drawing/2010/main" val="0"/>
+              </a:ext>
+            </a:extLst>
+          </a:blip>
+          <a:stretch>
+            <a:fillRect/>
+          </a:stretch>
+        </p:blipFill>
+        <p:spPr>
+          <a:xfrm>
+            <a:off x="4642618" y="3075676"/>
+            <a:ext cx="4389752" cy="2388071"/>
+          </a:xfrm>
+          <a:prstGeom prst="rect">
+            <a:avLst/>
+          </a:prstGeom>
+          <a:ln w="28575">
+            <a:solidFill>
+              <a:schemeClr val="tx1"/>
+            </a:solidFill>
+          </a:ln>
+        </p:spPr>
+      </p:pic>
+      <p:pic>
+        <p:nvPicPr>
+          <p:cNvPr id="14" name="Picture 13" descr="Chart, line chart&#10;&#10;Description automatically generated">
+            <a:extLst>
+              <a:ext uri="{FF2B5EF4-FFF2-40B4-BE49-F238E27FC236}">
+                <a16:creationId xmlns:a16="http://schemas.microsoft.com/office/drawing/2014/main" id="{519DF43D-5F73-53BD-962A-2C48957BF635}"/>
+              </a:ext>
+            </a:extLst>
+          </p:cNvPr>
+          <p:cNvPicPr>
+            <a:picLocks noChangeAspect="1"/>
+          </p:cNvPicPr>
+          <p:nvPr/>
+        </p:nvPicPr>
+        <p:blipFill>
+          <a:blip r:embed="rId3">
+            <a:extLst>
+              <a:ext uri="{28A0092B-C50C-407E-A947-70E740481C1C}">
+                <a14:useLocalDpi xmlns:a14="http://schemas.microsoft.com/office/drawing/2010/main" val="0"/>
+              </a:ext>
+            </a:extLst>
+          </a:blip>
+          <a:stretch>
+            <a:fillRect/>
+          </a:stretch>
+        </p:blipFill>
+        <p:spPr>
+          <a:xfrm>
+            <a:off x="111630" y="3075676"/>
+            <a:ext cx="4389752" cy="2386928"/>
+          </a:xfrm>
+          <a:prstGeom prst="rect">
+            <a:avLst/>
+          </a:prstGeom>
+          <a:ln w="28575">
+            <a:solidFill>
+              <a:schemeClr val="tx1"/>
+            </a:solidFill>
+          </a:ln>
+        </p:spPr>
+      </p:pic>
+      <p:pic>
+        <p:nvPicPr>
+          <p:cNvPr id="2" name="Picture 1">
+            <a:extLst>
+              <a:ext uri="{FF2B5EF4-FFF2-40B4-BE49-F238E27FC236}">
+                <a16:creationId xmlns:a16="http://schemas.microsoft.com/office/drawing/2014/main" id="{569AB515-AE6A-3BE4-14F5-97239A264479}"/>
+              </a:ext>
+            </a:extLst>
+          </p:cNvPr>
+          <p:cNvPicPr>
+            <a:picLocks noChangeAspect="1"/>
+          </p:cNvPicPr>
+          <p:nvPr/>
+        </p:nvPicPr>
+        <p:blipFill>
+          <a:blip r:embed="rId4"/>
+          <a:stretch>
+            <a:fillRect/>
+          </a:stretch>
+        </p:blipFill>
+        <p:spPr>
+          <a:xfrm>
+            <a:off x="40880" y="1621040"/>
+            <a:ext cx="3174530" cy="1128029"/>
+          </a:xfrm>
+          <a:prstGeom prst="rect">
+            <a:avLst/>
+          </a:prstGeom>
+        </p:spPr>
+      </p:pic>
+      <p:sp>
+        <p:nvSpPr>
+          <p:cNvPr id="3" name="TextBox 2">
+            <a:extLst>
+              <a:ext uri="{FF2B5EF4-FFF2-40B4-BE49-F238E27FC236}">
+                <a16:creationId xmlns:a16="http://schemas.microsoft.com/office/drawing/2014/main" id="{0E18C4C6-1C3F-F065-AD18-C026C78EFEEB}"/>
+              </a:ext>
+            </a:extLst>
+          </p:cNvPr>
+          <p:cNvSpPr txBox="1"/>
+          <p:nvPr/>
+        </p:nvSpPr>
+        <p:spPr>
+          <a:xfrm>
+            <a:off x="111631" y="2742546"/>
+            <a:ext cx="4389752" cy="323165"/>
+          </a:xfrm>
+          <a:prstGeom prst="rect">
+            <a:avLst/>
+          </a:prstGeom>
+          <a:noFill/>
+        </p:spPr>
+        <p:txBody>
+          <a:bodyPr wrap="square">
+            <a:spAutoFit/>
+          </a:bodyPr>
+          <a:lstStyle/>
+          <a:p>
+            <a:r>
+              <a:rPr lang="en-US" sz="1500" b="1" dirty="0"/>
+              <a:t>SPIKE Legacy (2.0.9) </a:t>
+            </a:r>
+            <a:endParaRPr lang="en-US" sz="1500" dirty="0"/>
+          </a:p>
+        </p:txBody>
+      </p:sp>
+      <p:sp>
+        <p:nvSpPr>
+          <p:cNvPr id="4" name="TextBox 3">
+            <a:extLst>
+              <a:ext uri="{FF2B5EF4-FFF2-40B4-BE49-F238E27FC236}">
+                <a16:creationId xmlns:a16="http://schemas.microsoft.com/office/drawing/2014/main" id="{8A000E04-D025-ACD8-F7AE-708579AB613F}"/>
+              </a:ext>
+            </a:extLst>
+          </p:cNvPr>
+          <p:cNvSpPr txBox="1"/>
+          <p:nvPr/>
+        </p:nvSpPr>
+        <p:spPr>
+          <a:xfrm>
+            <a:off x="4642618" y="2742546"/>
+            <a:ext cx="4389752" cy="323165"/>
+          </a:xfrm>
+          <a:prstGeom prst="rect">
+            <a:avLst/>
+          </a:prstGeom>
+          <a:noFill/>
+        </p:spPr>
+        <p:txBody>
+          <a:bodyPr wrap="square">
+            <a:spAutoFit/>
+          </a:bodyPr>
+          <a:lstStyle/>
+          <a:p>
+            <a:r>
+              <a:rPr lang="en-US" sz="1500" b="1" dirty="0"/>
+              <a:t>SPIKE 3 (3.2.0)</a:t>
+            </a:r>
+            <a:endParaRPr lang="en-US" sz="1500" dirty="0"/>
+          </a:p>
+        </p:txBody>
+      </p:sp>
+      <p:sp>
+        <p:nvSpPr>
+          <p:cNvPr id="5" name="Title 1">
+            <a:extLst>
+              <a:ext uri="{FF2B5EF4-FFF2-40B4-BE49-F238E27FC236}">
+                <a16:creationId xmlns:a16="http://schemas.microsoft.com/office/drawing/2014/main" id="{9423D6A5-B913-B10E-7BA5-E1D06E70E175}"/>
               </a:ext>
             </a:extLst>
           </p:cNvPr>
@@ -7597,7 +7781,12 @@
             <p:ph type="title"/>
           </p:nvPr>
         </p:nvSpPr>
-        <p:spPr/>
+        <p:spPr>
+          <a:xfrm>
+            <a:off x="175260" y="292975"/>
+            <a:ext cx="8746864" cy="752706"/>
+          </a:xfrm>
+        </p:spPr>
         <p:txBody>
           <a:bodyPr/>
           <a:lstStyle/>
@@ -7611,10 +7800,10 @@
       </p:sp>
       <p:sp>
         <p:nvSpPr>
-          <p:cNvPr id="4" name="Footer Placeholder 3">
-            <a:extLst>
-              <a:ext uri="{FF2B5EF4-FFF2-40B4-BE49-F238E27FC236}">
-                <a16:creationId xmlns:a16="http://schemas.microsoft.com/office/drawing/2014/main" id="{04337A3E-28E4-2BB1-63A4-4156FA01BEA6}"/>
+          <p:cNvPr id="6" name="Footer Placeholder 5">
+            <a:extLst>
+              <a:ext uri="{FF2B5EF4-FFF2-40B4-BE49-F238E27FC236}">
+                <a16:creationId xmlns:a16="http://schemas.microsoft.com/office/drawing/2014/main" id="{D8FE2944-A7F2-C3FF-3886-29EB0488F9C6}"/>
               </a:ext>
             </a:extLst>
           </p:cNvPr>
@@ -7638,94 +7827,10 @@
           </a:p>
         </p:txBody>
       </p:sp>
-      <p:sp>
-        <p:nvSpPr>
-          <p:cNvPr id="5" name="Slide Number Placeholder 4">
-            <a:extLst>
-              <a:ext uri="{FF2B5EF4-FFF2-40B4-BE49-F238E27FC236}">
-                <a16:creationId xmlns:a16="http://schemas.microsoft.com/office/drawing/2014/main" id="{643FE65C-D8B8-514A-269D-C4B90A44C259}"/>
-              </a:ext>
-            </a:extLst>
-          </p:cNvPr>
-          <p:cNvSpPr>
-            <a:spLocks noGrp="1"/>
-          </p:cNvSpPr>
-          <p:nvPr>
-            <p:ph type="sldNum" sz="quarter" idx="12"/>
-          </p:nvPr>
-        </p:nvSpPr>
-        <p:spPr/>
-        <p:txBody>
-          <a:bodyPr/>
-          <a:lstStyle/>
-          <a:p>
-            <a:fld id="{BBD74847-7BE4-4E4D-8159-51DF7B93C616}" type="slidenum">
-              <a:rPr lang="en-US" smtClean="0"/>
-              <a:t>10</a:t>
-            </a:fld>
-            <a:endParaRPr lang="en-US"/>
-          </a:p>
-        </p:txBody>
-      </p:sp>
-      <p:pic>
-        <p:nvPicPr>
-          <p:cNvPr id="13" name="Picture 12">
-            <a:extLst>
-              <a:ext uri="{FF2B5EF4-FFF2-40B4-BE49-F238E27FC236}">
-                <a16:creationId xmlns:a16="http://schemas.microsoft.com/office/drawing/2014/main" id="{7074E7D8-47C5-801C-890B-A85E489D3A98}"/>
-              </a:ext>
-            </a:extLst>
-          </p:cNvPr>
-          <p:cNvPicPr>
-            <a:picLocks noChangeAspect="1"/>
-          </p:cNvPicPr>
-          <p:nvPr/>
-        </p:nvPicPr>
-        <p:blipFill>
-          <a:blip r:embed="rId2"/>
-          <a:stretch>
-            <a:fillRect/>
-          </a:stretch>
-        </p:blipFill>
-        <p:spPr>
-          <a:xfrm>
-            <a:off x="562429" y="1850632"/>
-            <a:ext cx="7772400" cy="4371975"/>
-          </a:xfrm>
-          <a:prstGeom prst="rect">
-            <a:avLst/>
-          </a:prstGeom>
-        </p:spPr>
-      </p:pic>
-      <p:sp>
-        <p:nvSpPr>
-          <p:cNvPr id="7" name="Content Placeholder 6">
-            <a:extLst>
-              <a:ext uri="{FF2B5EF4-FFF2-40B4-BE49-F238E27FC236}">
-                <a16:creationId xmlns:a16="http://schemas.microsoft.com/office/drawing/2014/main" id="{4A838DF0-AF6A-DD1E-6DAD-1F01EF4677BC}"/>
-              </a:ext>
-            </a:extLst>
-          </p:cNvPr>
-          <p:cNvSpPr>
-            <a:spLocks noGrp="1"/>
-          </p:cNvSpPr>
-          <p:nvPr>
-            <p:ph idx="1"/>
-          </p:nvPr>
-        </p:nvSpPr>
-        <p:spPr/>
-        <p:txBody>
-          <a:bodyPr/>
-          <a:lstStyle/>
-          <a:p>
-            <a:endParaRPr lang="en-US" dirty="0"/>
-          </a:p>
-        </p:txBody>
-      </p:sp>
     </p:spTree>
     <p:extLst>
       <p:ext uri="{BB962C8B-B14F-4D97-AF65-F5344CB8AC3E}">
-        <p14:creationId xmlns:p14="http://schemas.microsoft.com/office/powerpoint/2010/main" val="1845031766"/>
+        <p14:creationId xmlns:p14="http://schemas.microsoft.com/office/powerpoint/2010/main" val="1540171460"/>
       </p:ext>
     </p:extLst>
   </p:cSld>
@@ -7752,12 +7857,196 @@
           <a:chExt cx="0" cy="0"/>
         </a:xfrm>
       </p:grpSpPr>
+      <p:pic>
+        <p:nvPicPr>
+          <p:cNvPr id="9" name="Picture 8" descr="Chart, line chart&#10;&#10;Description automatically generated">
+            <a:extLst>
+              <a:ext uri="{FF2B5EF4-FFF2-40B4-BE49-F238E27FC236}">
+                <a16:creationId xmlns:a16="http://schemas.microsoft.com/office/drawing/2014/main" id="{A0E9F5F0-51B0-8103-B04F-DE311C289C19}"/>
+              </a:ext>
+            </a:extLst>
+          </p:cNvPr>
+          <p:cNvPicPr>
+            <a:picLocks noChangeAspect="1"/>
+          </p:cNvPicPr>
+          <p:nvPr/>
+        </p:nvPicPr>
+        <p:blipFill>
+          <a:blip r:embed="rId2">
+            <a:extLst>
+              <a:ext uri="{28A0092B-C50C-407E-A947-70E740481C1C}">
+                <a14:useLocalDpi xmlns:a14="http://schemas.microsoft.com/office/drawing/2010/main" val="0"/>
+              </a:ext>
+            </a:extLst>
+          </a:blip>
+          <a:stretch>
+            <a:fillRect/>
+          </a:stretch>
+        </p:blipFill>
+        <p:spPr>
+          <a:xfrm>
+            <a:off x="4642618" y="3016042"/>
+            <a:ext cx="4389752" cy="2384641"/>
+          </a:xfrm>
+          <a:prstGeom prst="rect">
+            <a:avLst/>
+          </a:prstGeom>
+          <a:ln w="28575">
+            <a:solidFill>
+              <a:schemeClr val="tx1"/>
+            </a:solidFill>
+          </a:ln>
+        </p:spPr>
+      </p:pic>
+      <p:pic>
+        <p:nvPicPr>
+          <p:cNvPr id="7" name="Picture 6" descr="Chart, line chart&#10;&#10;Description automatically generated">
+            <a:extLst>
+              <a:ext uri="{FF2B5EF4-FFF2-40B4-BE49-F238E27FC236}">
+                <a16:creationId xmlns:a16="http://schemas.microsoft.com/office/drawing/2014/main" id="{D54BD5F0-99DB-17BB-0A6E-F7C58B9FBCBD}"/>
+              </a:ext>
+            </a:extLst>
+          </p:cNvPr>
+          <p:cNvPicPr>
+            <a:picLocks noChangeAspect="1"/>
+          </p:cNvPicPr>
+          <p:nvPr/>
+        </p:nvPicPr>
+        <p:blipFill>
+          <a:blip r:embed="rId3">
+            <a:extLst>
+              <a:ext uri="{28A0092B-C50C-407E-A947-70E740481C1C}">
+                <a14:useLocalDpi xmlns:a14="http://schemas.microsoft.com/office/drawing/2010/main" val="0"/>
+              </a:ext>
+            </a:extLst>
+          </a:blip>
+          <a:stretch>
+            <a:fillRect/>
+          </a:stretch>
+        </p:blipFill>
+        <p:spPr>
+          <a:xfrm>
+            <a:off x="111631" y="3019470"/>
+            <a:ext cx="4389752" cy="2383499"/>
+          </a:xfrm>
+          <a:prstGeom prst="rect">
+            <a:avLst/>
+          </a:prstGeom>
+          <a:ln w="28575">
+            <a:solidFill>
+              <a:schemeClr val="tx1"/>
+            </a:solidFill>
+          </a:ln>
+        </p:spPr>
+      </p:pic>
+      <p:pic>
+        <p:nvPicPr>
+          <p:cNvPr id="5" name="Picture 4">
+            <a:extLst>
+              <a:ext uri="{FF2B5EF4-FFF2-40B4-BE49-F238E27FC236}">
+                <a16:creationId xmlns:a16="http://schemas.microsoft.com/office/drawing/2014/main" id="{2DAD51AE-44DB-16BB-805D-FC3EABA93222}"/>
+              </a:ext>
+            </a:extLst>
+          </p:cNvPr>
+          <p:cNvPicPr>
+            <a:picLocks noChangeAspect="1"/>
+          </p:cNvPicPr>
+          <p:nvPr/>
+        </p:nvPicPr>
+        <p:blipFill>
+          <a:blip r:embed="rId4"/>
+          <a:stretch>
+            <a:fillRect/>
+          </a:stretch>
+        </p:blipFill>
+        <p:spPr>
+          <a:xfrm>
+            <a:off x="40879" y="1570084"/>
+            <a:ext cx="3045803" cy="1103099"/>
+          </a:xfrm>
+          <a:prstGeom prst="rect">
+            <a:avLst/>
+          </a:prstGeom>
+        </p:spPr>
+      </p:pic>
+      <p:sp>
+        <p:nvSpPr>
+          <p:cNvPr id="3" name="TextBox 2">
+            <a:extLst>
+              <a:ext uri="{FF2B5EF4-FFF2-40B4-BE49-F238E27FC236}">
+                <a16:creationId xmlns:a16="http://schemas.microsoft.com/office/drawing/2014/main" id="{0E18C4C6-1C3F-F065-AD18-C026C78EFEEB}"/>
+              </a:ext>
+            </a:extLst>
+          </p:cNvPr>
+          <p:cNvSpPr txBox="1"/>
+          <p:nvPr/>
+        </p:nvSpPr>
+        <p:spPr>
+          <a:xfrm>
+            <a:off x="111631" y="2682911"/>
+            <a:ext cx="4389752" cy="323165"/>
+          </a:xfrm>
+          <a:prstGeom prst="rect">
+            <a:avLst/>
+          </a:prstGeom>
+          <a:noFill/>
+        </p:spPr>
+        <p:txBody>
+          <a:bodyPr wrap="square">
+            <a:spAutoFit/>
+          </a:bodyPr>
+          <a:lstStyle/>
+          <a:p>
+            <a:r>
+              <a:rPr lang="en-US" sz="1500" b="1" dirty="0"/>
+              <a:t>SPIKE Legacy (2.0.9) </a:t>
+            </a:r>
+            <a:endParaRPr lang="en-US" sz="1500" dirty="0"/>
+          </a:p>
+        </p:txBody>
+      </p:sp>
+      <p:sp>
+        <p:nvSpPr>
+          <p:cNvPr id="4" name="TextBox 3">
+            <a:extLst>
+              <a:ext uri="{FF2B5EF4-FFF2-40B4-BE49-F238E27FC236}">
+                <a16:creationId xmlns:a16="http://schemas.microsoft.com/office/drawing/2014/main" id="{8A000E04-D025-ACD8-F7AE-708579AB613F}"/>
+              </a:ext>
+            </a:extLst>
+          </p:cNvPr>
+          <p:cNvSpPr txBox="1"/>
+          <p:nvPr/>
+        </p:nvSpPr>
+        <p:spPr>
+          <a:xfrm>
+            <a:off x="4642618" y="2682911"/>
+            <a:ext cx="4389752" cy="323165"/>
+          </a:xfrm>
+          <a:prstGeom prst="rect">
+            <a:avLst/>
+          </a:prstGeom>
+          <a:noFill/>
+        </p:spPr>
+        <p:txBody>
+          <a:bodyPr wrap="square">
+            <a:spAutoFit/>
+          </a:bodyPr>
+          <a:lstStyle/>
+          <a:p>
+            <a:r>
+              <a:rPr lang="en-US" sz="1500" b="1" dirty="0"/>
+              <a:t>SPIKE 3 (3.2.0)</a:t>
+            </a:r>
+            <a:endParaRPr lang="en-US" sz="1500" dirty="0"/>
+          </a:p>
+        </p:txBody>
+      </p:sp>
       <p:sp>
         <p:nvSpPr>
           <p:cNvPr id="2" name="Title 1">
             <a:extLst>
               <a:ext uri="{FF2B5EF4-FFF2-40B4-BE49-F238E27FC236}">
-                <a16:creationId xmlns:a16="http://schemas.microsoft.com/office/drawing/2014/main" id="{3D97D6CF-F890-1AF5-E1DF-72FD909F62D0}"/>
+                <a16:creationId xmlns:a16="http://schemas.microsoft.com/office/drawing/2014/main" id="{F41261F1-F09A-986A-FD1E-CB590203790D}"/>
               </a:ext>
             </a:extLst>
           </p:cNvPr>
@@ -7768,7 +8057,12 @@
             <p:ph type="title"/>
           </p:nvPr>
         </p:nvSpPr>
-        <p:spPr/>
+        <p:spPr>
+          <a:xfrm>
+            <a:off x="175260" y="292975"/>
+            <a:ext cx="8746864" cy="752706"/>
+          </a:xfrm>
+        </p:spPr>
         <p:txBody>
           <a:bodyPr/>
           <a:lstStyle/>
@@ -7782,10 +8076,10 @@
       </p:sp>
       <p:sp>
         <p:nvSpPr>
-          <p:cNvPr id="4" name="Footer Placeholder 3">
-            <a:extLst>
-              <a:ext uri="{FF2B5EF4-FFF2-40B4-BE49-F238E27FC236}">
-                <a16:creationId xmlns:a16="http://schemas.microsoft.com/office/drawing/2014/main" id="{04337A3E-28E4-2BB1-63A4-4156FA01BEA6}"/>
+          <p:cNvPr id="6" name="Footer Placeholder 5">
+            <a:extLst>
+              <a:ext uri="{FF2B5EF4-FFF2-40B4-BE49-F238E27FC236}">
+                <a16:creationId xmlns:a16="http://schemas.microsoft.com/office/drawing/2014/main" id="{848E6D19-A9BF-C64C-A2AA-E2109F692DC6}"/>
               </a:ext>
             </a:extLst>
           </p:cNvPr>
@@ -7809,69 +8103,10 @@
           </a:p>
         </p:txBody>
       </p:sp>
-      <p:sp>
-        <p:nvSpPr>
-          <p:cNvPr id="5" name="Slide Number Placeholder 4">
-            <a:extLst>
-              <a:ext uri="{FF2B5EF4-FFF2-40B4-BE49-F238E27FC236}">
-                <a16:creationId xmlns:a16="http://schemas.microsoft.com/office/drawing/2014/main" id="{643FE65C-D8B8-514A-269D-C4B90A44C259}"/>
-              </a:ext>
-            </a:extLst>
-          </p:cNvPr>
-          <p:cNvSpPr>
-            <a:spLocks noGrp="1"/>
-          </p:cNvSpPr>
-          <p:nvPr>
-            <p:ph type="sldNum" sz="quarter" idx="12"/>
-          </p:nvPr>
-        </p:nvSpPr>
-        <p:spPr/>
-        <p:txBody>
-          <a:bodyPr/>
-          <a:lstStyle/>
-          <a:p>
-            <a:fld id="{BBD74847-7BE4-4E4D-8159-51DF7B93C616}" type="slidenum">
-              <a:rPr lang="en-US" smtClean="0"/>
-              <a:t>11</a:t>
-            </a:fld>
-            <a:endParaRPr lang="en-US"/>
-          </a:p>
-        </p:txBody>
-      </p:sp>
-      <p:pic>
-        <p:nvPicPr>
-          <p:cNvPr id="14" name="Picture 13">
-            <a:extLst>
-              <a:ext uri="{FF2B5EF4-FFF2-40B4-BE49-F238E27FC236}">
-                <a16:creationId xmlns:a16="http://schemas.microsoft.com/office/drawing/2014/main" id="{BB3E3190-2D03-FAFF-56C1-3B4FB9F62B3E}"/>
-              </a:ext>
-            </a:extLst>
-          </p:cNvPr>
-          <p:cNvPicPr>
-            <a:picLocks noChangeAspect="1"/>
-          </p:cNvPicPr>
-          <p:nvPr/>
-        </p:nvPicPr>
-        <p:blipFill>
-          <a:blip r:embed="rId2"/>
-          <a:stretch>
-            <a:fillRect/>
-          </a:stretch>
-        </p:blipFill>
-        <p:spPr>
-          <a:xfrm>
-            <a:off x="662492" y="1944526"/>
-            <a:ext cx="7772400" cy="4371975"/>
-          </a:xfrm>
-          <a:prstGeom prst="rect">
-            <a:avLst/>
-          </a:prstGeom>
-        </p:spPr>
-      </p:pic>
     </p:spTree>
     <p:extLst>
       <p:ext uri="{BB962C8B-B14F-4D97-AF65-F5344CB8AC3E}">
-        <p14:creationId xmlns:p14="http://schemas.microsoft.com/office/powerpoint/2010/main" val="2220498703"/>
+        <p14:creationId xmlns:p14="http://schemas.microsoft.com/office/powerpoint/2010/main" val="3436906502"/>
       </p:ext>
     </p:extLst>
   </p:cSld>
@@ -7971,39 +8206,17 @@
           <a:lstStyle/>
           <a:p>
             <a:r>
-              <a:rPr lang="en-US"/>
-              <a:t>Copyright © 2023 SPIKE Prime Lessons (primelessons.org) CC-BY-NC-SA.  (Last edit: 6/23/2023)</a:t>
-            </a:r>
-            <a:endParaRPr lang="en-US" dirty="0"/>
-          </a:p>
-        </p:txBody>
-      </p:sp>
-      <p:sp>
-        <p:nvSpPr>
-          <p:cNvPr id="7" name="Slide Number Placeholder 6">
-            <a:extLst>
-              <a:ext uri="{FF2B5EF4-FFF2-40B4-BE49-F238E27FC236}">
-                <a16:creationId xmlns:a16="http://schemas.microsoft.com/office/drawing/2014/main" id="{F6739919-47A8-43E0-85A2-F648492C26DE}"/>
-              </a:ext>
-            </a:extLst>
-          </p:cNvPr>
-          <p:cNvSpPr>
-            <a:spLocks noGrp="1"/>
-          </p:cNvSpPr>
-          <p:nvPr>
-            <p:ph type="sldNum" sz="quarter" idx="12"/>
-          </p:nvPr>
-        </p:nvSpPr>
-        <p:spPr/>
-        <p:txBody>
-          <a:bodyPr/>
-          <a:lstStyle/>
-          <a:p>
-            <a:fld id="{BBD74847-7BE4-4E4D-8159-51DF7B93C616}" type="slidenum">
-              <a:rPr lang="en-US" smtClean="0"/>
-              <a:t>12</a:t>
-            </a:fld>
-            <a:endParaRPr lang="en-US"/>
+              <a:rPr lang="en-US" dirty="0"/>
+              <a:t>Copyright © 2023 SPIKE Prime Lessons (</a:t>
+            </a:r>
+            <a:r>
+              <a:rPr lang="en-US" dirty="0" err="1"/>
+              <a:t>primelessons.org</a:t>
+            </a:r>
+            <a:r>
+              <a:rPr lang="en-US" dirty="0"/>
+              <a:t>) CC-BY-NC-SA.  (Last edit: 6/23/2023)</a:t>
+            </a:r>
           </a:p>
         </p:txBody>
       </p:sp>
@@ -8032,7 +8245,7 @@
           <a:effectLst/>
           <a:extLst>
             <a:ext uri="{91240B29-F687-4f45-9708-019B960494DF}">
-              <a14:hiddenLine xmlns:a14="http://schemas.microsoft.com/office/drawing/2010/main" xmlns="" w="9525">
+              <a14:hiddenLine xmlns="" xmlns:a14="http://schemas.microsoft.com/office/drawing/2010/main" w="9525">
                 <a:solidFill>
                   <a:schemeClr val="tx1"/>
                 </a:solidFill>
@@ -8042,7 +8255,7 @@
               </a14:hiddenLine>
             </a:ext>
             <a:ext uri="{AF507438-7753-43e0-B8FC-AC1667EBCBE1}">
-              <a14:hiddenEffects xmlns:a14="http://schemas.microsoft.com/office/drawing/2010/main" xmlns="">
+              <a14:hiddenEffects xmlns="" xmlns:a14="http://schemas.microsoft.com/office/drawing/2010/main">
                 <a:effectLst>
                   <a:outerShdw dist="35921" dir="2700000" algn="ctr" rotWithShape="0">
                     <a:schemeClr val="bg2"/>
@@ -8383,7 +8596,7 @@
           <a:noFill/>
           <a:extLst>
             <a:ext uri="{909E8E84-426E-40dd-AFC4-6F175D3DCCD1}">
-              <a14:hiddenFill xmlns:a14="http://schemas.microsoft.com/office/drawing/2010/main" xmlns="">
+              <a14:hiddenFill xmlns="" xmlns:a14="http://schemas.microsoft.com/office/drawing/2010/main">
                 <a:solidFill>
                   <a:srgbClr val="FFFFFF"/>
                 </a:solidFill>
@@ -8490,35 +8703,6 @@
           </a:p>
         </p:txBody>
       </p:sp>
-      <p:sp>
-        <p:nvSpPr>
-          <p:cNvPr id="5" name="Slide Number Placeholder 4">
-            <a:extLst>
-              <a:ext uri="{FF2B5EF4-FFF2-40B4-BE49-F238E27FC236}">
-                <a16:creationId xmlns:a16="http://schemas.microsoft.com/office/drawing/2014/main" id="{7A05263F-412B-42CF-AF6A-03B2407904CA}"/>
-              </a:ext>
-            </a:extLst>
-          </p:cNvPr>
-          <p:cNvSpPr>
-            <a:spLocks noGrp="1"/>
-          </p:cNvSpPr>
-          <p:nvPr>
-            <p:ph type="sldNum" sz="quarter" idx="12"/>
-          </p:nvPr>
-        </p:nvSpPr>
-        <p:spPr/>
-        <p:txBody>
-          <a:bodyPr/>
-          <a:lstStyle/>
-          <a:p>
-            <a:fld id="{BBD74847-7BE4-4E4D-8159-51DF7B93C616}" type="slidenum">
-              <a:rPr lang="en-US" smtClean="0"/>
-              <a:t>2</a:t>
-            </a:fld>
-            <a:endParaRPr lang="en-US"/>
-          </a:p>
-        </p:txBody>
-      </p:sp>
     </p:spTree>
     <p:extLst>
       <p:ext uri="{BB962C8B-B14F-4D97-AF65-F5344CB8AC3E}">
@@ -8812,35 +8996,6 @@
               <a:t>Copyright © 2023 SPIKE Prime Lessons (primelessons.org) CC-BY-NC-SA.  (Last edit: 6/23/2023)</a:t>
             </a:r>
             <a:endParaRPr lang="en-US" dirty="0"/>
-          </a:p>
-        </p:txBody>
-      </p:sp>
-      <p:sp>
-        <p:nvSpPr>
-          <p:cNvPr id="5" name="Slide Number Placeholder 4">
-            <a:extLst>
-              <a:ext uri="{FF2B5EF4-FFF2-40B4-BE49-F238E27FC236}">
-                <a16:creationId xmlns:a16="http://schemas.microsoft.com/office/drawing/2014/main" id="{51D854BD-AF1C-BCF2-8E18-D3D5431C044B}"/>
-              </a:ext>
-            </a:extLst>
-          </p:cNvPr>
-          <p:cNvSpPr>
-            <a:spLocks noGrp="1"/>
-          </p:cNvSpPr>
-          <p:nvPr>
-            <p:ph type="sldNum" sz="quarter" idx="12"/>
-          </p:nvPr>
-        </p:nvSpPr>
-        <p:spPr/>
-        <p:txBody>
-          <a:bodyPr/>
-          <a:lstStyle/>
-          <a:p>
-            <a:fld id="{BBD74847-7BE4-4E4D-8159-51DF7B93C616}" type="slidenum">
-              <a:rPr lang="en-US" smtClean="0"/>
-              <a:t>3</a:t>
-            </a:fld>
-            <a:endParaRPr lang="en-US"/>
           </a:p>
         </p:txBody>
       </p:sp>
@@ -9086,35 +9241,6 @@
           </a:p>
         </p:txBody>
       </p:sp>
-      <p:sp>
-        <p:nvSpPr>
-          <p:cNvPr id="5" name="Slide Number Placeholder 4">
-            <a:extLst>
-              <a:ext uri="{FF2B5EF4-FFF2-40B4-BE49-F238E27FC236}">
-                <a16:creationId xmlns:a16="http://schemas.microsoft.com/office/drawing/2014/main" id="{5A8B1540-B83E-52A0-D090-91D315C8E76E}"/>
-              </a:ext>
-            </a:extLst>
-          </p:cNvPr>
-          <p:cNvSpPr>
-            <a:spLocks noGrp="1"/>
-          </p:cNvSpPr>
-          <p:nvPr>
-            <p:ph type="sldNum" sz="quarter" idx="12"/>
-          </p:nvPr>
-        </p:nvSpPr>
-        <p:spPr/>
-        <p:txBody>
-          <a:bodyPr/>
-          <a:lstStyle/>
-          <a:p>
-            <a:fld id="{BBD74847-7BE4-4E4D-8159-51DF7B93C616}" type="slidenum">
-              <a:rPr lang="en-US" smtClean="0"/>
-              <a:t>4</a:t>
-            </a:fld>
-            <a:endParaRPr lang="en-US"/>
-          </a:p>
-        </p:txBody>
-      </p:sp>
       <p:pic>
         <p:nvPicPr>
           <p:cNvPr id="6" name="Picture 5">
@@ -9243,98 +9369,624 @@
           <a:chExt cx="0" cy="0"/>
         </a:xfrm>
       </p:grpSpPr>
-      <p:sp>
-        <p:nvSpPr>
-          <p:cNvPr id="2" name="Title 1">
-            <a:extLst>
-              <a:ext uri="{FF2B5EF4-FFF2-40B4-BE49-F238E27FC236}">
-                <a16:creationId xmlns:a16="http://schemas.microsoft.com/office/drawing/2014/main" id="{3D97D6CF-F890-1AF5-E1DF-72FD909F62D0}"/>
-              </a:ext>
-            </a:extLst>
-          </p:cNvPr>
-          <p:cNvSpPr>
-            <a:spLocks noGrp="1"/>
-          </p:cNvSpPr>
+      <p:graphicFrame>
+        <p:nvGraphicFramePr>
+          <p:cNvPr id="4" name="Table 4">
+            <a:extLst>
+              <a:ext uri="{FF2B5EF4-FFF2-40B4-BE49-F238E27FC236}">
+                <a16:creationId xmlns:a16="http://schemas.microsoft.com/office/drawing/2014/main" id="{051C34C1-AB5E-8F7E-0AC9-9DB741FC3F6B}"/>
+              </a:ext>
+            </a:extLst>
+          </p:cNvPr>
+          <p:cNvGraphicFramePr>
+            <a:graphicFrameLocks noGrp="1"/>
+          </p:cNvGraphicFramePr>
           <p:nvPr>
-            <p:ph type="title"/>
+            <p:extLst>
+              <p:ext uri="{D42A27DB-BD31-4B8C-83A1-F6EECF244321}">
+                <p14:modId xmlns:p14="http://schemas.microsoft.com/office/powerpoint/2010/main" val="573427477"/>
+              </p:ext>
+            </p:extLst>
           </p:nvPr>
-        </p:nvSpPr>
-        <p:spPr/>
-        <p:txBody>
-          <a:bodyPr/>
-          <a:lstStyle/>
-          <a:p>
-            <a:r>
-              <a:rPr lang="en-US" dirty="0"/>
-              <a:t>DIFFERENCES BETWEEN SPIKE 2 and SPIKE 3</a:t>
-            </a:r>
-          </a:p>
-        </p:txBody>
-      </p:sp>
-      <p:sp>
-        <p:nvSpPr>
-          <p:cNvPr id="4" name="Footer Placeholder 3">
-            <a:extLst>
-              <a:ext uri="{FF2B5EF4-FFF2-40B4-BE49-F238E27FC236}">
-                <a16:creationId xmlns:a16="http://schemas.microsoft.com/office/drawing/2014/main" id="{04337A3E-28E4-2BB1-63A4-4156FA01BEA6}"/>
-              </a:ext>
-            </a:extLst>
-          </p:cNvPr>
-          <p:cNvSpPr>
-            <a:spLocks noGrp="1"/>
-          </p:cNvSpPr>
-          <p:nvPr>
-            <p:ph type="ftr" sz="quarter" idx="11"/>
-          </p:nvPr>
-        </p:nvSpPr>
-        <p:spPr/>
-        <p:txBody>
-          <a:bodyPr/>
-          <a:lstStyle/>
-          <a:p>
-            <a:r>
-              <a:rPr lang="en-US"/>
-              <a:t>Copyright © 2023 SPIKE Prime Lessons (primelessons.org) CC-BY-NC-SA.  (Last edit: 6/23/2023)</a:t>
-            </a:r>
-            <a:endParaRPr lang="en-US" dirty="0"/>
-          </a:p>
-        </p:txBody>
-      </p:sp>
-      <p:sp>
-        <p:nvSpPr>
-          <p:cNvPr id="5" name="Slide Number Placeholder 4">
-            <a:extLst>
-              <a:ext uri="{FF2B5EF4-FFF2-40B4-BE49-F238E27FC236}">
-                <a16:creationId xmlns:a16="http://schemas.microsoft.com/office/drawing/2014/main" id="{643FE65C-D8B8-514A-269D-C4B90A44C259}"/>
-              </a:ext>
-            </a:extLst>
-          </p:cNvPr>
-          <p:cNvSpPr>
-            <a:spLocks noGrp="1"/>
-          </p:cNvSpPr>
-          <p:nvPr>
-            <p:ph type="sldNum" sz="quarter" idx="12"/>
-          </p:nvPr>
-        </p:nvSpPr>
-        <p:spPr/>
-        <p:txBody>
-          <a:bodyPr/>
-          <a:lstStyle/>
-          <a:p>
-            <a:fld id="{BBD74847-7BE4-4E4D-8159-51DF7B93C616}" type="slidenum">
-              <a:rPr lang="en-US" smtClean="0"/>
-              <a:t>5</a:t>
-            </a:fld>
-            <a:endParaRPr lang="en-US"/>
-          </a:p>
-        </p:txBody>
-      </p:sp>
+        </p:nvGraphicFramePr>
+        <p:xfrm>
+          <a:off x="407178" y="1529356"/>
+          <a:ext cx="8182347" cy="4600343"/>
+        </p:xfrm>
+        <a:graphic>
+          <a:graphicData uri="http://schemas.openxmlformats.org/drawingml/2006/table">
+            <a:tbl>
+              <a:tblPr firstRow="1" bandRow="1">
+                <a:tableStyleId>{5C22544A-7EE6-4342-B048-85BDC9FD1C3A}</a:tableStyleId>
+              </a:tblPr>
+              <a:tblGrid>
+                <a:gridCol w="3005042">
+                  <a:extLst>
+                    <a:ext uri="{9D8B030D-6E8A-4147-A177-3AD203B41FA5}">
+                      <a16:colId xmlns:a16="http://schemas.microsoft.com/office/drawing/2014/main" val="4271142275"/>
+                    </a:ext>
+                  </a:extLst>
+                </a:gridCol>
+                <a:gridCol w="1861655">
+                  <a:extLst>
+                    <a:ext uri="{9D8B030D-6E8A-4147-A177-3AD203B41FA5}">
+                      <a16:colId xmlns:a16="http://schemas.microsoft.com/office/drawing/2014/main" val="3141164773"/>
+                    </a:ext>
+                  </a:extLst>
+                </a:gridCol>
+                <a:gridCol w="1630647">
+                  <a:extLst>
+                    <a:ext uri="{9D8B030D-6E8A-4147-A177-3AD203B41FA5}">
+                      <a16:colId xmlns:a16="http://schemas.microsoft.com/office/drawing/2014/main" val="2740079563"/>
+                    </a:ext>
+                  </a:extLst>
+                </a:gridCol>
+                <a:gridCol w="1685003">
+                  <a:extLst>
+                    <a:ext uri="{9D8B030D-6E8A-4147-A177-3AD203B41FA5}">
+                      <a16:colId xmlns:a16="http://schemas.microsoft.com/office/drawing/2014/main" val="1176368445"/>
+                    </a:ext>
+                  </a:extLst>
+                </a:gridCol>
+              </a:tblGrid>
+              <a:tr h="667301">
+                <a:tc>
+                  <a:txBody>
+                    <a:bodyPr/>
+                    <a:lstStyle/>
+                    <a:p>
+                      <a:pPr algn="ctr"/>
+                      <a:r>
+                        <a:rPr lang="en-US" sz="1600" dirty="0">
+                          <a:solidFill>
+                            <a:schemeClr val="tx1"/>
+                          </a:solidFill>
+                        </a:rPr>
+                        <a:t>Block</a:t>
+                      </a:r>
+                    </a:p>
+                  </a:txBody>
+                  <a:tcPr marL="95801" marR="95801" marT="47900" marB="47900" anchor="ctr"/>
+                </a:tc>
+                <a:tc>
+                  <a:txBody>
+                    <a:bodyPr/>
+                    <a:lstStyle/>
+                    <a:p>
+                      <a:pPr algn="ctr"/>
+                      <a:r>
+                        <a:rPr lang="en-US" sz="1600" dirty="0">
+                          <a:solidFill>
+                            <a:schemeClr val="tx1"/>
+                          </a:solidFill>
+                        </a:rPr>
+                        <a:t>Synchronization</a:t>
+                      </a:r>
+                    </a:p>
+                  </a:txBody>
+                  <a:tcPr marL="95801" marR="95801" marT="47900" marB="47900" anchor="ctr"/>
+                </a:tc>
+                <a:tc>
+                  <a:txBody>
+                    <a:bodyPr/>
+                    <a:lstStyle/>
+                    <a:p>
+                      <a:pPr algn="ctr"/>
+                      <a:r>
+                        <a:rPr lang="en-US" sz="1600" dirty="0">
+                          <a:solidFill>
+                            <a:schemeClr val="tx1"/>
+                          </a:solidFill>
+                        </a:rPr>
+                        <a:t>Speed Control</a:t>
+                      </a:r>
+                    </a:p>
+                  </a:txBody>
+                  <a:tcPr marL="95801" marR="95801" marT="47900" marB="47900" anchor="ctr"/>
+                </a:tc>
+                <a:tc>
+                  <a:txBody>
+                    <a:bodyPr/>
+                    <a:lstStyle/>
+                    <a:p>
+                      <a:pPr algn="ctr"/>
+                      <a:r>
+                        <a:rPr lang="en-US" sz="1600" dirty="0">
+                          <a:solidFill>
+                            <a:schemeClr val="tx1"/>
+                          </a:solidFill>
+                        </a:rPr>
+                        <a:t>Stall Detection</a:t>
+                      </a:r>
+                    </a:p>
+                  </a:txBody>
+                  <a:tcPr marL="95801" marR="95801" marT="47900" marB="47900" anchor="ctr"/>
+                </a:tc>
+                <a:extLst>
+                  <a:ext uri="{0D108BD9-81ED-4DB2-BD59-A6C34878D82A}">
+                    <a16:rowId xmlns:a16="http://schemas.microsoft.com/office/drawing/2014/main" val="1827771892"/>
+                  </a:ext>
+                </a:extLst>
+              </a:tr>
+              <a:tr h="588164">
+                <a:tc>
+                  <a:txBody>
+                    <a:bodyPr/>
+                    <a:lstStyle/>
+                    <a:p>
+                      <a:endParaRPr lang="en-US" sz="1900" dirty="0"/>
+                    </a:p>
+                  </a:txBody>
+                  <a:tcPr marL="95801" marR="95801" marT="47900" marB="47900"/>
+                </a:tc>
+                <a:tc>
+                  <a:txBody>
+                    <a:bodyPr/>
+                    <a:lstStyle/>
+                    <a:p>
+                      <a:pPr algn="ctr"/>
+                      <a:r>
+                        <a:rPr lang="en-US" sz="3000" b="1" i="0" kern="1200" dirty="0">
+                          <a:solidFill>
+                            <a:srgbClr val="00B050"/>
+                          </a:solidFill>
+                          <a:effectLst/>
+                          <a:latin typeface="+mn-lt"/>
+                          <a:ea typeface="+mn-ea"/>
+                          <a:cs typeface="+mn-cs"/>
+                        </a:rPr>
+                        <a:t>✓</a:t>
+                      </a:r>
+                      <a:endParaRPr lang="en-US" sz="3000" b="1" dirty="0">
+                        <a:solidFill>
+                          <a:srgbClr val="00B050"/>
+                        </a:solidFill>
+                      </a:endParaRPr>
+                    </a:p>
+                  </a:txBody>
+                  <a:tcPr marL="95801" marR="95801" marT="47900" marB="47900" anchor="ctr"/>
+                </a:tc>
+                <a:tc>
+                  <a:txBody>
+                    <a:bodyPr/>
+                    <a:lstStyle/>
+                    <a:p>
+                      <a:pPr marL="0" marR="0" lvl="0" indent="0" algn="ctr" defTabSz="914400" rtl="0" eaLnBrk="1" fontAlgn="auto" latinLnBrk="0" hangingPunct="1">
+                        <a:lnSpc>
+                          <a:spcPct val="100000"/>
+                        </a:lnSpc>
+                        <a:spcBef>
+                          <a:spcPts val="0"/>
+                        </a:spcBef>
+                        <a:spcAft>
+                          <a:spcPts val="0"/>
+                        </a:spcAft>
+                        <a:buClrTx/>
+                        <a:buSzTx/>
+                        <a:buFontTx/>
+                        <a:buNone/>
+                        <a:tabLst/>
+                        <a:defRPr/>
+                      </a:pPr>
+                      <a:r>
+                        <a:rPr lang="en-US" sz="3000" b="1" i="0" kern="1200" dirty="0">
+                          <a:solidFill>
+                            <a:srgbClr val="00B050"/>
+                          </a:solidFill>
+                          <a:effectLst/>
+                          <a:latin typeface="+mn-lt"/>
+                          <a:ea typeface="+mn-ea"/>
+                          <a:cs typeface="+mn-cs"/>
+                        </a:rPr>
+                        <a:t>✓</a:t>
+                      </a:r>
+                      <a:endParaRPr lang="en-US" sz="3000" b="1" dirty="0">
+                        <a:solidFill>
+                          <a:srgbClr val="00B050"/>
+                        </a:solidFill>
+                      </a:endParaRPr>
+                    </a:p>
+                  </a:txBody>
+                  <a:tcPr marL="95801" marR="95801" marT="47900" marB="47900" anchor="ctr"/>
+                </a:tc>
+                <a:tc>
+                  <a:txBody>
+                    <a:bodyPr/>
+                    <a:lstStyle/>
+                    <a:p>
+                      <a:pPr algn="ctr"/>
+                      <a:r>
+                        <a:rPr lang="en-US" sz="1500" b="1" dirty="0"/>
+                        <a:t>Permanently On</a:t>
+                      </a:r>
+                    </a:p>
+                  </a:txBody>
+                  <a:tcPr marL="95801" marR="95801" marT="47900" marB="47900" anchor="ctr"/>
+                </a:tc>
+                <a:extLst>
+                  <a:ext uri="{0D108BD9-81ED-4DB2-BD59-A6C34878D82A}">
+                    <a16:rowId xmlns:a16="http://schemas.microsoft.com/office/drawing/2014/main" val="2722840951"/>
+                  </a:ext>
+                </a:extLst>
+              </a:tr>
+              <a:tr h="618200">
+                <a:tc>
+                  <a:txBody>
+                    <a:bodyPr/>
+                    <a:lstStyle/>
+                    <a:p>
+                      <a:endParaRPr lang="en-US" sz="1900" dirty="0"/>
+                    </a:p>
+                  </a:txBody>
+                  <a:tcPr marL="95801" marR="95801" marT="47900" marB="47900"/>
+                </a:tc>
+                <a:tc>
+                  <a:txBody>
+                    <a:bodyPr/>
+                    <a:lstStyle/>
+                    <a:p>
+                      <a:pPr algn="ctr"/>
+                      <a:r>
+                        <a:rPr lang="en-US" sz="3000" b="1" i="0" kern="1200" dirty="0">
+                          <a:solidFill>
+                            <a:srgbClr val="00B050"/>
+                          </a:solidFill>
+                          <a:effectLst/>
+                          <a:latin typeface="+mn-lt"/>
+                          <a:ea typeface="+mn-ea"/>
+                          <a:cs typeface="+mn-cs"/>
+                        </a:rPr>
+                        <a:t>✓</a:t>
+                      </a:r>
+                      <a:endParaRPr lang="en-US" sz="3000" b="1" dirty="0">
+                        <a:solidFill>
+                          <a:srgbClr val="00B050"/>
+                        </a:solidFill>
+                      </a:endParaRPr>
+                    </a:p>
+                  </a:txBody>
+                  <a:tcPr marL="95801" marR="95801" marT="47900" marB="47900" anchor="ctr"/>
+                </a:tc>
+                <a:tc>
+                  <a:txBody>
+                    <a:bodyPr/>
+                    <a:lstStyle/>
+                    <a:p>
+                      <a:pPr marL="0" marR="0" lvl="0" indent="0" algn="ctr" defTabSz="914400" rtl="0" eaLnBrk="1" fontAlgn="auto" latinLnBrk="0" hangingPunct="1">
+                        <a:lnSpc>
+                          <a:spcPct val="100000"/>
+                        </a:lnSpc>
+                        <a:spcBef>
+                          <a:spcPts val="0"/>
+                        </a:spcBef>
+                        <a:spcAft>
+                          <a:spcPts val="0"/>
+                        </a:spcAft>
+                        <a:buClrTx/>
+                        <a:buSzTx/>
+                        <a:buFontTx/>
+                        <a:buNone/>
+                        <a:tabLst/>
+                        <a:defRPr/>
+                      </a:pPr>
+                      <a:r>
+                        <a:rPr lang="en-US" sz="3000" b="1" i="0" kern="1200" dirty="0">
+                          <a:solidFill>
+                            <a:srgbClr val="00B050"/>
+                          </a:solidFill>
+                          <a:effectLst/>
+                          <a:latin typeface="+mn-lt"/>
+                          <a:ea typeface="+mn-ea"/>
+                          <a:cs typeface="+mn-cs"/>
+                        </a:rPr>
+                        <a:t>✓</a:t>
+                      </a:r>
+                      <a:endParaRPr lang="en-US" sz="3000" b="1" dirty="0">
+                        <a:solidFill>
+                          <a:srgbClr val="00B050"/>
+                        </a:solidFill>
+                      </a:endParaRPr>
+                    </a:p>
+                  </a:txBody>
+                  <a:tcPr marL="95801" marR="95801" marT="47900" marB="47900" anchor="ctr"/>
+                </a:tc>
+                <a:tc>
+                  <a:txBody>
+                    <a:bodyPr/>
+                    <a:lstStyle/>
+                    <a:p>
+                      <a:pPr algn="ctr"/>
+                      <a:r>
+                        <a:rPr lang="en-US" sz="1500" b="1" dirty="0"/>
+                        <a:t>Permanently On</a:t>
+                      </a:r>
+                    </a:p>
+                  </a:txBody>
+                  <a:tcPr marL="95801" marR="95801" marT="47900" marB="47900" anchor="ctr"/>
+                </a:tc>
+                <a:extLst>
+                  <a:ext uri="{0D108BD9-81ED-4DB2-BD59-A6C34878D82A}">
+                    <a16:rowId xmlns:a16="http://schemas.microsoft.com/office/drawing/2014/main" val="1412966610"/>
+                  </a:ext>
+                </a:extLst>
+              </a:tr>
+              <a:tr h="569562">
+                <a:tc>
+                  <a:txBody>
+                    <a:bodyPr/>
+                    <a:lstStyle/>
+                    <a:p>
+                      <a:endParaRPr lang="en-US" sz="1900" dirty="0"/>
+                    </a:p>
+                  </a:txBody>
+                  <a:tcPr marL="95801" marR="95801" marT="47900" marB="47900"/>
+                </a:tc>
+                <a:tc>
+                  <a:txBody>
+                    <a:bodyPr/>
+                    <a:lstStyle/>
+                    <a:p>
+                      <a:pPr algn="ctr"/>
+                      <a:r>
+                        <a:rPr lang="en-US" sz="3000" b="1" i="0" kern="1200" dirty="0">
+                          <a:solidFill>
+                            <a:srgbClr val="FF0000"/>
+                          </a:solidFill>
+                          <a:effectLst/>
+                          <a:latin typeface="+mn-lt"/>
+                          <a:ea typeface="+mn-ea"/>
+                          <a:cs typeface="+mn-cs"/>
+                        </a:rPr>
+                        <a:t>✗</a:t>
+                      </a:r>
+                      <a:endParaRPr lang="en-US" sz="3000" dirty="0"/>
+                    </a:p>
+                  </a:txBody>
+                  <a:tcPr marL="95801" marR="95801" marT="47900" marB="47900" anchor="ctr"/>
+                </a:tc>
+                <a:tc>
+                  <a:txBody>
+                    <a:bodyPr/>
+                    <a:lstStyle/>
+                    <a:p>
+                      <a:pPr algn="ctr"/>
+                      <a:r>
+                        <a:rPr lang="en-US" sz="3000" b="1" i="0" kern="1200" dirty="0">
+                          <a:solidFill>
+                            <a:srgbClr val="FF0000"/>
+                          </a:solidFill>
+                          <a:effectLst/>
+                          <a:latin typeface="+mn-lt"/>
+                          <a:ea typeface="+mn-ea"/>
+                          <a:cs typeface="+mn-cs"/>
+                        </a:rPr>
+                        <a:t>✗</a:t>
+                      </a:r>
+                      <a:endParaRPr lang="en-US" sz="3000" b="1" dirty="0">
+                        <a:solidFill>
+                          <a:srgbClr val="FF0000"/>
+                        </a:solidFill>
+                      </a:endParaRPr>
+                    </a:p>
+                  </a:txBody>
+                  <a:tcPr marL="95801" marR="95801" marT="47900" marB="47900" anchor="ctr"/>
+                </a:tc>
+                <a:tc>
+                  <a:txBody>
+                    <a:bodyPr/>
+                    <a:lstStyle/>
+                    <a:p>
+                      <a:pPr marL="0" marR="0" lvl="0" indent="0" algn="ctr" defTabSz="914400" rtl="0" eaLnBrk="1" fontAlgn="auto" latinLnBrk="0" hangingPunct="1">
+                        <a:lnSpc>
+                          <a:spcPct val="100000"/>
+                        </a:lnSpc>
+                        <a:spcBef>
+                          <a:spcPts val="0"/>
+                        </a:spcBef>
+                        <a:spcAft>
+                          <a:spcPts val="0"/>
+                        </a:spcAft>
+                        <a:buClrTx/>
+                        <a:buSzTx/>
+                        <a:buFontTx/>
+                        <a:buNone/>
+                        <a:tabLst/>
+                        <a:defRPr/>
+                      </a:pPr>
+                      <a:r>
+                        <a:rPr lang="en-US" sz="1500" b="1" dirty="0"/>
+                        <a:t>Permanently On</a:t>
+                      </a:r>
+                    </a:p>
+                  </a:txBody>
+                  <a:tcPr marL="95801" marR="95801" marT="47900" marB="47900" anchor="ctr"/>
+                </a:tc>
+                <a:extLst>
+                  <a:ext uri="{0D108BD9-81ED-4DB2-BD59-A6C34878D82A}">
+                    <a16:rowId xmlns:a16="http://schemas.microsoft.com/office/drawing/2014/main" val="173933900"/>
+                  </a:ext>
+                </a:extLst>
+              </a:tr>
+              <a:tr h="1078558">
+                <a:tc>
+                  <a:txBody>
+                    <a:bodyPr/>
+                    <a:lstStyle/>
+                    <a:p>
+                      <a:endParaRPr lang="en-US" sz="1900" dirty="0"/>
+                    </a:p>
+                  </a:txBody>
+                  <a:tcPr marL="95801" marR="95801" marT="47900" marB="47900"/>
+                </a:tc>
+                <a:tc>
+                  <a:txBody>
+                    <a:bodyPr/>
+                    <a:lstStyle/>
+                    <a:p>
+                      <a:pPr algn="ctr"/>
+                      <a:r>
+                        <a:rPr lang="en-US" sz="3000" b="1" i="0" kern="1200" dirty="0">
+                          <a:solidFill>
+                            <a:srgbClr val="FF0000"/>
+                          </a:solidFill>
+                          <a:effectLst/>
+                          <a:latin typeface="+mn-lt"/>
+                          <a:ea typeface="+mn-ea"/>
+                          <a:cs typeface="+mn-cs"/>
+                        </a:rPr>
+                        <a:t>✗</a:t>
+                      </a:r>
+                      <a:endParaRPr lang="en-US" sz="3000" dirty="0"/>
+                    </a:p>
+                  </a:txBody>
+                  <a:tcPr marL="95801" marR="95801" marT="47900" marB="47900" anchor="ctr"/>
+                </a:tc>
+                <a:tc>
+                  <a:txBody>
+                    <a:bodyPr/>
+                    <a:lstStyle/>
+                    <a:p>
+                      <a:pPr algn="ctr"/>
+                      <a:r>
+                        <a:rPr lang="en-US" sz="3000" b="1" i="0" kern="1200" dirty="0">
+                          <a:solidFill>
+                            <a:srgbClr val="00B050"/>
+                          </a:solidFill>
+                          <a:effectLst/>
+                          <a:latin typeface="+mn-lt"/>
+                          <a:ea typeface="+mn-ea"/>
+                          <a:cs typeface="+mn-cs"/>
+                        </a:rPr>
+                        <a:t>✓</a:t>
+                      </a:r>
+                      <a:endParaRPr lang="en-US" sz="3000" dirty="0"/>
+                    </a:p>
+                  </a:txBody>
+                  <a:tcPr marL="95801" marR="95801" marT="47900" marB="47900" anchor="ctr"/>
+                </a:tc>
+                <a:tc>
+                  <a:txBody>
+                    <a:bodyPr/>
+                    <a:lstStyle/>
+                    <a:p>
+                      <a:pPr algn="ctr"/>
+                      <a:r>
+                        <a:rPr lang="en-US" sz="1500" b="1" dirty="0"/>
+                        <a:t>Can be enabled/disabled</a:t>
+                      </a:r>
+                    </a:p>
+                  </a:txBody>
+                  <a:tcPr marL="95801" marR="95801" marT="47900" marB="47900" anchor="ctr"/>
+                </a:tc>
+                <a:extLst>
+                  <a:ext uri="{0D108BD9-81ED-4DB2-BD59-A6C34878D82A}">
+                    <a16:rowId xmlns:a16="http://schemas.microsoft.com/office/drawing/2014/main" val="301280252"/>
+                  </a:ext>
+                </a:extLst>
+              </a:tr>
+              <a:tr h="1078558">
+                <a:tc>
+                  <a:txBody>
+                    <a:bodyPr/>
+                    <a:lstStyle/>
+                    <a:p>
+                      <a:endParaRPr lang="en-US" sz="1900" dirty="0"/>
+                    </a:p>
+                  </a:txBody>
+                  <a:tcPr marL="95801" marR="95801" marT="47900" marB="47900"/>
+                </a:tc>
+                <a:tc>
+                  <a:txBody>
+                    <a:bodyPr/>
+                    <a:lstStyle/>
+                    <a:p>
+                      <a:pPr algn="ctr"/>
+                      <a:r>
+                        <a:rPr lang="en-US" sz="3000" b="1" i="0" kern="1200" dirty="0">
+                          <a:solidFill>
+                            <a:srgbClr val="FF0000"/>
+                          </a:solidFill>
+                          <a:effectLst/>
+                          <a:latin typeface="+mn-lt"/>
+                          <a:ea typeface="+mn-ea"/>
+                          <a:cs typeface="+mn-cs"/>
+                        </a:rPr>
+                        <a:t>✗</a:t>
+                      </a:r>
+                      <a:endParaRPr lang="en-US" sz="3000" dirty="0"/>
+                    </a:p>
+                  </a:txBody>
+                  <a:tcPr marL="95801" marR="95801" marT="47900" marB="47900" anchor="ctr"/>
+                </a:tc>
+                <a:tc>
+                  <a:txBody>
+                    <a:bodyPr/>
+                    <a:lstStyle/>
+                    <a:p>
+                      <a:pPr algn="ctr"/>
+                      <a:r>
+                        <a:rPr lang="en-US" sz="3000" b="1" i="0" kern="1200" dirty="0">
+                          <a:solidFill>
+                            <a:srgbClr val="FF0000"/>
+                          </a:solidFill>
+                          <a:effectLst/>
+                          <a:latin typeface="+mn-lt"/>
+                          <a:ea typeface="+mn-ea"/>
+                          <a:cs typeface="+mn-cs"/>
+                        </a:rPr>
+                        <a:t>✗</a:t>
+                      </a:r>
+                      <a:endParaRPr lang="en-US" sz="3000" dirty="0"/>
+                    </a:p>
+                  </a:txBody>
+                  <a:tcPr marL="95801" marR="95801" marT="47900" marB="47900" anchor="ctr"/>
+                </a:tc>
+                <a:tc>
+                  <a:txBody>
+                    <a:bodyPr/>
+                    <a:lstStyle/>
+                    <a:p>
+                      <a:pPr marL="0" marR="0" lvl="0" indent="0" algn="ctr" defTabSz="914400" rtl="0" eaLnBrk="1" fontAlgn="auto" latinLnBrk="0" hangingPunct="1">
+                        <a:lnSpc>
+                          <a:spcPct val="100000"/>
+                        </a:lnSpc>
+                        <a:spcBef>
+                          <a:spcPts val="0"/>
+                        </a:spcBef>
+                        <a:spcAft>
+                          <a:spcPts val="0"/>
+                        </a:spcAft>
+                        <a:buClrTx/>
+                        <a:buSzTx/>
+                        <a:buFontTx/>
+                        <a:buNone/>
+                        <a:tabLst/>
+                        <a:defRPr/>
+                      </a:pPr>
+                      <a:r>
+                        <a:rPr lang="en-US" sz="1500" b="1" dirty="0"/>
+                        <a:t>Can be enabled/disabled</a:t>
+                      </a:r>
+                    </a:p>
+                  </a:txBody>
+                  <a:tcPr marL="95801" marR="95801" marT="47900" marB="47900" anchor="ctr"/>
+                </a:tc>
+                <a:extLst>
+                  <a:ext uri="{0D108BD9-81ED-4DB2-BD59-A6C34878D82A}">
+                    <a16:rowId xmlns:a16="http://schemas.microsoft.com/office/drawing/2014/main" val="3005671303"/>
+                  </a:ext>
+                </a:extLst>
+              </a:tr>
+            </a:tbl>
+          </a:graphicData>
+        </a:graphic>
+      </p:graphicFrame>
       <p:pic>
         <p:nvPicPr>
-          <p:cNvPr id="8" name="Picture 7">
-            <a:extLst>
-              <a:ext uri="{FF2B5EF4-FFF2-40B4-BE49-F238E27FC236}">
-                <a16:creationId xmlns:a16="http://schemas.microsoft.com/office/drawing/2014/main" id="{456E8D65-B4EA-4D11-AB63-C10A9DF3DAAC}"/>
+          <p:cNvPr id="6" name="Picture 5">
+            <a:extLst>
+              <a:ext uri="{FF2B5EF4-FFF2-40B4-BE49-F238E27FC236}">
+                <a16:creationId xmlns:a16="http://schemas.microsoft.com/office/drawing/2014/main" id="{434C21FF-2D41-C465-7887-55D9C72F991D}"/>
               </a:ext>
             </a:extLst>
           </p:cNvPr>
@@ -9351,18 +10003,238 @@
         </p:blipFill>
         <p:spPr>
           <a:xfrm>
-            <a:off x="685800" y="1243012"/>
-            <a:ext cx="7772400" cy="4371975"/>
+            <a:off x="413089" y="5043381"/>
+            <a:ext cx="2992319" cy="1083728"/>
           </a:xfrm>
           <a:prstGeom prst="rect">
             <a:avLst/>
           </a:prstGeom>
         </p:spPr>
       </p:pic>
+      <p:pic>
+        <p:nvPicPr>
+          <p:cNvPr id="10" name="Picture 9">
+            <a:extLst>
+              <a:ext uri="{FF2B5EF4-FFF2-40B4-BE49-F238E27FC236}">
+                <a16:creationId xmlns:a16="http://schemas.microsoft.com/office/drawing/2014/main" id="{18F028E9-DE5C-16B2-EFF2-BAB8F36A4309}"/>
+              </a:ext>
+            </a:extLst>
+          </p:cNvPr>
+          <p:cNvPicPr>
+            <a:picLocks noChangeAspect="1"/>
+          </p:cNvPicPr>
+          <p:nvPr/>
+        </p:nvPicPr>
+        <p:blipFill>
+          <a:blip r:embed="rId3"/>
+          <a:stretch>
+            <a:fillRect/>
+          </a:stretch>
+        </p:blipFill>
+        <p:spPr>
+          <a:xfrm>
+            <a:off x="413089" y="3975178"/>
+            <a:ext cx="2992319" cy="1063283"/>
+          </a:xfrm>
+          <a:prstGeom prst="rect">
+            <a:avLst/>
+          </a:prstGeom>
+        </p:spPr>
+      </p:pic>
+      <p:pic>
+        <p:nvPicPr>
+          <p:cNvPr id="12" name="Picture 11">
+            <a:extLst>
+              <a:ext uri="{FF2B5EF4-FFF2-40B4-BE49-F238E27FC236}">
+                <a16:creationId xmlns:a16="http://schemas.microsoft.com/office/drawing/2014/main" id="{D355356A-368D-80F3-4FC2-7961D9732751}"/>
+              </a:ext>
+            </a:extLst>
+          </p:cNvPr>
+          <p:cNvPicPr>
+            <a:picLocks noChangeAspect="1"/>
+          </p:cNvPicPr>
+          <p:nvPr/>
+        </p:nvPicPr>
+        <p:blipFill>
+          <a:blip r:embed="rId4"/>
+          <a:stretch>
+            <a:fillRect/>
+          </a:stretch>
+        </p:blipFill>
+        <p:spPr>
+          <a:xfrm>
+            <a:off x="413090" y="3412683"/>
+            <a:ext cx="2992318" cy="557575"/>
+          </a:xfrm>
+          <a:prstGeom prst="rect">
+            <a:avLst/>
+          </a:prstGeom>
+        </p:spPr>
+      </p:pic>
+      <p:sp>
+        <p:nvSpPr>
+          <p:cNvPr id="13" name="TextBox 12">
+            <a:extLst>
+              <a:ext uri="{FF2B5EF4-FFF2-40B4-BE49-F238E27FC236}">
+                <a16:creationId xmlns:a16="http://schemas.microsoft.com/office/drawing/2014/main" id="{581D8DAA-001F-D111-164D-ECD5469074C0}"/>
+              </a:ext>
+            </a:extLst>
+          </p:cNvPr>
+          <p:cNvSpPr txBox="1"/>
+          <p:nvPr/>
+        </p:nvSpPr>
+        <p:spPr>
+          <a:xfrm>
+            <a:off x="413089" y="1106394"/>
+            <a:ext cx="8182346" cy="415498"/>
+          </a:xfrm>
+          <a:prstGeom prst="rect">
+            <a:avLst/>
+          </a:prstGeom>
+          <a:noFill/>
+        </p:spPr>
+        <p:txBody>
+          <a:bodyPr wrap="square" rtlCol="0">
+            <a:spAutoFit/>
+          </a:bodyPr>
+          <a:lstStyle/>
+          <a:p>
+            <a:pPr algn="ctr"/>
+            <a:r>
+              <a:rPr lang="en-US" sz="2100" b="1" dirty="0"/>
+              <a:t>SPIKE Legacy (2.0.9)</a:t>
+            </a:r>
+          </a:p>
+        </p:txBody>
+      </p:sp>
+      <p:pic>
+        <p:nvPicPr>
+          <p:cNvPr id="15" name="Picture 14">
+            <a:extLst>
+              <a:ext uri="{FF2B5EF4-FFF2-40B4-BE49-F238E27FC236}">
+                <a16:creationId xmlns:a16="http://schemas.microsoft.com/office/drawing/2014/main" id="{6D95A7F6-B1A5-4DF6-6072-355F3AFD4259}"/>
+              </a:ext>
+            </a:extLst>
+          </p:cNvPr>
+          <p:cNvPicPr>
+            <a:picLocks noChangeAspect="1"/>
+          </p:cNvPicPr>
+          <p:nvPr/>
+        </p:nvPicPr>
+        <p:blipFill>
+          <a:blip r:embed="rId5"/>
+          <a:stretch>
+            <a:fillRect/>
+          </a:stretch>
+        </p:blipFill>
+        <p:spPr>
+          <a:xfrm>
+            <a:off x="413088" y="2205697"/>
+            <a:ext cx="2998230" cy="581027"/>
+          </a:xfrm>
+          <a:prstGeom prst="rect">
+            <a:avLst/>
+          </a:prstGeom>
+        </p:spPr>
+      </p:pic>
+      <p:pic>
+        <p:nvPicPr>
+          <p:cNvPr id="17" name="Picture 16">
+            <a:extLst>
+              <a:ext uri="{FF2B5EF4-FFF2-40B4-BE49-F238E27FC236}">
+                <a16:creationId xmlns:a16="http://schemas.microsoft.com/office/drawing/2014/main" id="{2DBBB3EB-8284-8874-0E27-97753DB850A0}"/>
+              </a:ext>
+            </a:extLst>
+          </p:cNvPr>
+          <p:cNvPicPr>
+            <a:picLocks noChangeAspect="1"/>
+          </p:cNvPicPr>
+          <p:nvPr/>
+        </p:nvPicPr>
+        <p:blipFill>
+          <a:blip r:embed="rId6"/>
+          <a:stretch>
+            <a:fillRect/>
+          </a:stretch>
+        </p:blipFill>
+        <p:spPr>
+          <a:xfrm>
+            <a:off x="407178" y="2794582"/>
+            <a:ext cx="3000289" cy="617706"/>
+          </a:xfrm>
+          <a:prstGeom prst="rect">
+            <a:avLst/>
+          </a:prstGeom>
+        </p:spPr>
+      </p:pic>
+      <p:sp>
+        <p:nvSpPr>
+          <p:cNvPr id="8" name="Title 7">
+            <a:extLst>
+              <a:ext uri="{FF2B5EF4-FFF2-40B4-BE49-F238E27FC236}">
+                <a16:creationId xmlns:a16="http://schemas.microsoft.com/office/drawing/2014/main" id="{3AEAFA14-9431-13D0-0CE5-DF0FE7CB5561}"/>
+              </a:ext>
+            </a:extLst>
+          </p:cNvPr>
+          <p:cNvSpPr>
+            <a:spLocks noGrp="1"/>
+          </p:cNvSpPr>
+          <p:nvPr>
+            <p:ph type="title"/>
+          </p:nvPr>
+        </p:nvSpPr>
+        <p:spPr/>
+        <p:txBody>
+          <a:bodyPr/>
+          <a:lstStyle/>
+          <a:p>
+            <a:r>
+              <a:rPr lang="en-US" dirty="0"/>
+              <a:t>DIFFERENCES BETWEEN SPIKE 2 and SPIKE 3</a:t>
+            </a:r>
+          </a:p>
+        </p:txBody>
+      </p:sp>
+      <p:sp>
+        <p:nvSpPr>
+          <p:cNvPr id="9" name="Footer Placeholder 8">
+            <a:extLst>
+              <a:ext uri="{FF2B5EF4-FFF2-40B4-BE49-F238E27FC236}">
+                <a16:creationId xmlns:a16="http://schemas.microsoft.com/office/drawing/2014/main" id="{D5721802-214E-726D-7898-111A1C9F4E70}"/>
+              </a:ext>
+            </a:extLst>
+          </p:cNvPr>
+          <p:cNvSpPr>
+            <a:spLocks noGrp="1"/>
+          </p:cNvSpPr>
+          <p:nvPr>
+            <p:ph type="ftr" sz="quarter" idx="11"/>
+          </p:nvPr>
+        </p:nvSpPr>
+        <p:spPr/>
+        <p:txBody>
+          <a:bodyPr/>
+          <a:lstStyle/>
+          <a:p>
+            <a:r>
+              <a:rPr lang="en-US" sz="900" dirty="0"/>
+              <a:t>Copyright © 2023 SPIKE Prime Lessons (</a:t>
+            </a:r>
+            <a:r>
+              <a:rPr lang="en-US" sz="900" dirty="0" err="1"/>
+              <a:t>primelessons.org</a:t>
+            </a:r>
+            <a:r>
+              <a:rPr lang="en-US" sz="900" dirty="0"/>
+              <a:t>) CC-BY-NC-SA.  (Last edit: 6/23/2023)</a:t>
+            </a:r>
+          </a:p>
+        </p:txBody>
+      </p:sp>
     </p:spTree>
     <p:extLst>
       <p:ext uri="{BB962C8B-B14F-4D97-AF65-F5344CB8AC3E}">
-        <p14:creationId xmlns:p14="http://schemas.microsoft.com/office/powerpoint/2010/main" val="1991110289"/>
+        <p14:creationId xmlns:p14="http://schemas.microsoft.com/office/powerpoint/2010/main" val="1330627085"/>
       </p:ext>
     </p:extLst>
   </p:cSld>
@@ -9389,98 +10261,612 @@
           <a:chExt cx="0" cy="0"/>
         </a:xfrm>
       </p:grpSpPr>
-      <p:sp>
-        <p:nvSpPr>
-          <p:cNvPr id="2" name="Title 1">
-            <a:extLst>
-              <a:ext uri="{FF2B5EF4-FFF2-40B4-BE49-F238E27FC236}">
-                <a16:creationId xmlns:a16="http://schemas.microsoft.com/office/drawing/2014/main" id="{3D97D6CF-F890-1AF5-E1DF-72FD909F62D0}"/>
-              </a:ext>
-            </a:extLst>
-          </p:cNvPr>
-          <p:cNvSpPr>
-            <a:spLocks noGrp="1"/>
-          </p:cNvSpPr>
+      <p:graphicFrame>
+        <p:nvGraphicFramePr>
+          <p:cNvPr id="4" name="Table 4">
+            <a:extLst>
+              <a:ext uri="{FF2B5EF4-FFF2-40B4-BE49-F238E27FC236}">
+                <a16:creationId xmlns:a16="http://schemas.microsoft.com/office/drawing/2014/main" id="{051C34C1-AB5E-8F7E-0AC9-9DB741FC3F6B}"/>
+              </a:ext>
+            </a:extLst>
+          </p:cNvPr>
+          <p:cNvGraphicFramePr>
+            <a:graphicFrameLocks noGrp="1"/>
+          </p:cNvGraphicFramePr>
           <p:nvPr>
-            <p:ph type="title"/>
+            <p:extLst>
+              <p:ext uri="{D42A27DB-BD31-4B8C-83A1-F6EECF244321}">
+                <p14:modId xmlns:p14="http://schemas.microsoft.com/office/powerpoint/2010/main" val="1176832619"/>
+              </p:ext>
+            </p:extLst>
           </p:nvPr>
-        </p:nvSpPr>
-        <p:spPr/>
-        <p:txBody>
-          <a:bodyPr/>
-          <a:lstStyle/>
-          <a:p>
-            <a:r>
-              <a:rPr lang="en-US" dirty="0"/>
-              <a:t>DIFFERENCES BETWEEN SPIKE 2 and SPIKE 3</a:t>
-            </a:r>
-          </a:p>
-        </p:txBody>
-      </p:sp>
-      <p:sp>
-        <p:nvSpPr>
-          <p:cNvPr id="4" name="Footer Placeholder 3">
-            <a:extLst>
-              <a:ext uri="{FF2B5EF4-FFF2-40B4-BE49-F238E27FC236}">
-                <a16:creationId xmlns:a16="http://schemas.microsoft.com/office/drawing/2014/main" id="{04337A3E-28E4-2BB1-63A4-4156FA01BEA6}"/>
-              </a:ext>
-            </a:extLst>
-          </p:cNvPr>
-          <p:cNvSpPr>
-            <a:spLocks noGrp="1"/>
-          </p:cNvSpPr>
-          <p:nvPr>
-            <p:ph type="ftr" sz="quarter" idx="11"/>
-          </p:nvPr>
-        </p:nvSpPr>
-        <p:spPr/>
-        <p:txBody>
-          <a:bodyPr/>
-          <a:lstStyle/>
-          <a:p>
-            <a:r>
-              <a:rPr lang="en-US"/>
-              <a:t>Copyright © 2023 SPIKE Prime Lessons (primelessons.org) CC-BY-NC-SA.  (Last edit: 6/23/2023)</a:t>
-            </a:r>
-            <a:endParaRPr lang="en-US" dirty="0"/>
-          </a:p>
-        </p:txBody>
-      </p:sp>
-      <p:sp>
-        <p:nvSpPr>
-          <p:cNvPr id="5" name="Slide Number Placeholder 4">
-            <a:extLst>
-              <a:ext uri="{FF2B5EF4-FFF2-40B4-BE49-F238E27FC236}">
-                <a16:creationId xmlns:a16="http://schemas.microsoft.com/office/drawing/2014/main" id="{643FE65C-D8B8-514A-269D-C4B90A44C259}"/>
-              </a:ext>
-            </a:extLst>
-          </p:cNvPr>
-          <p:cNvSpPr>
-            <a:spLocks noGrp="1"/>
-          </p:cNvSpPr>
-          <p:nvPr>
-            <p:ph type="sldNum" sz="quarter" idx="12"/>
-          </p:nvPr>
-        </p:nvSpPr>
-        <p:spPr/>
-        <p:txBody>
-          <a:bodyPr/>
-          <a:lstStyle/>
-          <a:p>
-            <a:fld id="{BBD74847-7BE4-4E4D-8159-51DF7B93C616}" type="slidenum">
-              <a:rPr lang="en-US" smtClean="0"/>
-              <a:t>6</a:t>
-            </a:fld>
-            <a:endParaRPr lang="en-US"/>
-          </a:p>
-        </p:txBody>
-      </p:sp>
+        </p:nvGraphicFramePr>
+        <p:xfrm>
+          <a:off x="407178" y="1549234"/>
+          <a:ext cx="8182347" cy="4600343"/>
+        </p:xfrm>
+        <a:graphic>
+          <a:graphicData uri="http://schemas.openxmlformats.org/drawingml/2006/table">
+            <a:tbl>
+              <a:tblPr firstRow="1" bandRow="1">
+                <a:tableStyleId>{5C22544A-7EE6-4342-B048-85BDC9FD1C3A}</a:tableStyleId>
+              </a:tblPr>
+              <a:tblGrid>
+                <a:gridCol w="3005042">
+                  <a:extLst>
+                    <a:ext uri="{9D8B030D-6E8A-4147-A177-3AD203B41FA5}">
+                      <a16:colId xmlns:a16="http://schemas.microsoft.com/office/drawing/2014/main" val="4271142275"/>
+                    </a:ext>
+                  </a:extLst>
+                </a:gridCol>
+                <a:gridCol w="1861655">
+                  <a:extLst>
+                    <a:ext uri="{9D8B030D-6E8A-4147-A177-3AD203B41FA5}">
+                      <a16:colId xmlns:a16="http://schemas.microsoft.com/office/drawing/2014/main" val="3141164773"/>
+                    </a:ext>
+                  </a:extLst>
+                </a:gridCol>
+                <a:gridCol w="1630647">
+                  <a:extLst>
+                    <a:ext uri="{9D8B030D-6E8A-4147-A177-3AD203B41FA5}">
+                      <a16:colId xmlns:a16="http://schemas.microsoft.com/office/drawing/2014/main" val="2740079563"/>
+                    </a:ext>
+                  </a:extLst>
+                </a:gridCol>
+                <a:gridCol w="1685003">
+                  <a:extLst>
+                    <a:ext uri="{9D8B030D-6E8A-4147-A177-3AD203B41FA5}">
+                      <a16:colId xmlns:a16="http://schemas.microsoft.com/office/drawing/2014/main" val="1176368445"/>
+                    </a:ext>
+                  </a:extLst>
+                </a:gridCol>
+              </a:tblGrid>
+              <a:tr h="667301">
+                <a:tc>
+                  <a:txBody>
+                    <a:bodyPr/>
+                    <a:lstStyle/>
+                    <a:p>
+                      <a:pPr algn="ctr"/>
+                      <a:r>
+                        <a:rPr lang="en-US" sz="1600" b="1" dirty="0">
+                          <a:solidFill>
+                            <a:schemeClr val="tx1"/>
+                          </a:solidFill>
+                        </a:rPr>
+                        <a:t>Block</a:t>
+                      </a:r>
+                    </a:p>
+                  </a:txBody>
+                  <a:tcPr marL="95801" marR="95801" marT="47900" marB="47900" anchor="ctr"/>
+                </a:tc>
+                <a:tc>
+                  <a:txBody>
+                    <a:bodyPr/>
+                    <a:lstStyle/>
+                    <a:p>
+                      <a:pPr algn="ctr"/>
+                      <a:r>
+                        <a:rPr lang="en-US" sz="1600" b="1" dirty="0">
+                          <a:solidFill>
+                            <a:schemeClr val="tx1"/>
+                          </a:solidFill>
+                        </a:rPr>
+                        <a:t>Synchronization</a:t>
+                      </a:r>
+                    </a:p>
+                  </a:txBody>
+                  <a:tcPr marL="95801" marR="95801" marT="47900" marB="47900" anchor="ctr"/>
+                </a:tc>
+                <a:tc>
+                  <a:txBody>
+                    <a:bodyPr/>
+                    <a:lstStyle/>
+                    <a:p>
+                      <a:pPr algn="ctr"/>
+                      <a:r>
+                        <a:rPr lang="en-US" sz="1600" b="1" dirty="0">
+                          <a:solidFill>
+                            <a:schemeClr val="tx1"/>
+                          </a:solidFill>
+                        </a:rPr>
+                        <a:t>Speed Control</a:t>
+                      </a:r>
+                    </a:p>
+                  </a:txBody>
+                  <a:tcPr marL="95801" marR="95801" marT="47900" marB="47900" anchor="ctr"/>
+                </a:tc>
+                <a:tc>
+                  <a:txBody>
+                    <a:bodyPr/>
+                    <a:lstStyle/>
+                    <a:p>
+                      <a:pPr algn="ctr"/>
+                      <a:r>
+                        <a:rPr lang="en-US" sz="1600" b="1" dirty="0">
+                          <a:solidFill>
+                            <a:schemeClr val="tx1"/>
+                          </a:solidFill>
+                        </a:rPr>
+                        <a:t>Stall Detection</a:t>
+                      </a:r>
+                    </a:p>
+                  </a:txBody>
+                  <a:tcPr marL="95801" marR="95801" marT="47900" marB="47900" anchor="ctr"/>
+                </a:tc>
+                <a:extLst>
+                  <a:ext uri="{0D108BD9-81ED-4DB2-BD59-A6C34878D82A}">
+                    <a16:rowId xmlns:a16="http://schemas.microsoft.com/office/drawing/2014/main" val="1827771892"/>
+                  </a:ext>
+                </a:extLst>
+              </a:tr>
+              <a:tr h="588164">
+                <a:tc>
+                  <a:txBody>
+                    <a:bodyPr/>
+                    <a:lstStyle/>
+                    <a:p>
+                      <a:endParaRPr lang="en-US" sz="1900" dirty="0"/>
+                    </a:p>
+                  </a:txBody>
+                  <a:tcPr marL="95801" marR="95801" marT="47900" marB="47900"/>
+                </a:tc>
+                <a:tc>
+                  <a:txBody>
+                    <a:bodyPr/>
+                    <a:lstStyle/>
+                    <a:p>
+                      <a:pPr algn="ctr"/>
+                      <a:r>
+                        <a:rPr lang="en-US" sz="3000" b="1" i="0" kern="1200" dirty="0">
+                          <a:solidFill>
+                            <a:srgbClr val="00B050"/>
+                          </a:solidFill>
+                          <a:effectLst/>
+                          <a:latin typeface="+mn-lt"/>
+                          <a:ea typeface="+mn-ea"/>
+                          <a:cs typeface="+mn-cs"/>
+                        </a:rPr>
+                        <a:t>✓</a:t>
+                      </a:r>
+                      <a:endParaRPr lang="en-US" sz="3000" b="1" dirty="0">
+                        <a:solidFill>
+                          <a:srgbClr val="00B050"/>
+                        </a:solidFill>
+                      </a:endParaRPr>
+                    </a:p>
+                  </a:txBody>
+                  <a:tcPr marL="95801" marR="95801" marT="47900" marB="47900" anchor="ctr"/>
+                </a:tc>
+                <a:tc>
+                  <a:txBody>
+                    <a:bodyPr/>
+                    <a:lstStyle/>
+                    <a:p>
+                      <a:pPr marL="0" marR="0" lvl="0" indent="0" algn="ctr" defTabSz="914400" rtl="0" eaLnBrk="1" fontAlgn="auto" latinLnBrk="0" hangingPunct="1">
+                        <a:lnSpc>
+                          <a:spcPct val="100000"/>
+                        </a:lnSpc>
+                        <a:spcBef>
+                          <a:spcPts val="0"/>
+                        </a:spcBef>
+                        <a:spcAft>
+                          <a:spcPts val="0"/>
+                        </a:spcAft>
+                        <a:buClrTx/>
+                        <a:buSzTx/>
+                        <a:buFontTx/>
+                        <a:buNone/>
+                        <a:tabLst/>
+                        <a:defRPr/>
+                      </a:pPr>
+                      <a:r>
+                        <a:rPr lang="en-US" sz="3000" b="1" i="0" kern="1200" dirty="0">
+                          <a:solidFill>
+                            <a:srgbClr val="00B050"/>
+                          </a:solidFill>
+                          <a:effectLst/>
+                          <a:latin typeface="+mn-lt"/>
+                          <a:ea typeface="+mn-ea"/>
+                          <a:cs typeface="+mn-cs"/>
+                        </a:rPr>
+                        <a:t>✓</a:t>
+                      </a:r>
+                      <a:endParaRPr lang="en-US" sz="3000" b="1" dirty="0">
+                        <a:solidFill>
+                          <a:srgbClr val="00B050"/>
+                        </a:solidFill>
+                      </a:endParaRPr>
+                    </a:p>
+                  </a:txBody>
+                  <a:tcPr marL="95801" marR="95801" marT="47900" marB="47900" anchor="ctr"/>
+                </a:tc>
+                <a:tc>
+                  <a:txBody>
+                    <a:bodyPr/>
+                    <a:lstStyle/>
+                    <a:p>
+                      <a:pPr algn="ctr"/>
+                      <a:r>
+                        <a:rPr lang="en-US" sz="1500" b="1" dirty="0"/>
+                        <a:t>Permanently Off</a:t>
+                      </a:r>
+                      <a:endParaRPr lang="en-US" sz="1500" dirty="0"/>
+                    </a:p>
+                  </a:txBody>
+                  <a:tcPr marL="95801" marR="95801" marT="47900" marB="47900" anchor="ctr"/>
+                </a:tc>
+                <a:extLst>
+                  <a:ext uri="{0D108BD9-81ED-4DB2-BD59-A6C34878D82A}">
+                    <a16:rowId xmlns:a16="http://schemas.microsoft.com/office/drawing/2014/main" val="2722840951"/>
+                  </a:ext>
+                </a:extLst>
+              </a:tr>
+              <a:tr h="618200">
+                <a:tc>
+                  <a:txBody>
+                    <a:bodyPr/>
+                    <a:lstStyle/>
+                    <a:p>
+                      <a:endParaRPr lang="en-US" sz="1900" dirty="0"/>
+                    </a:p>
+                  </a:txBody>
+                  <a:tcPr marL="95801" marR="95801" marT="47900" marB="47900"/>
+                </a:tc>
+                <a:tc>
+                  <a:txBody>
+                    <a:bodyPr/>
+                    <a:lstStyle/>
+                    <a:p>
+                      <a:pPr algn="ctr"/>
+                      <a:r>
+                        <a:rPr lang="en-US" sz="3000" b="1" i="0" kern="1200" dirty="0">
+                          <a:solidFill>
+                            <a:srgbClr val="FF0000"/>
+                          </a:solidFill>
+                          <a:effectLst/>
+                          <a:latin typeface="+mn-lt"/>
+                          <a:ea typeface="+mn-ea"/>
+                          <a:cs typeface="+mn-cs"/>
+                        </a:rPr>
+                        <a:t>✗</a:t>
+                      </a:r>
+                      <a:endParaRPr lang="en-US" sz="3000" dirty="0"/>
+                    </a:p>
+                  </a:txBody>
+                  <a:tcPr marL="95801" marR="95801" marT="47900" marB="47900" anchor="ctr"/>
+                </a:tc>
+                <a:tc>
+                  <a:txBody>
+                    <a:bodyPr/>
+                    <a:lstStyle/>
+                    <a:p>
+                      <a:pPr algn="ctr"/>
+                      <a:r>
+                        <a:rPr lang="en-US" sz="3000" b="1" i="0" kern="1200" dirty="0">
+                          <a:solidFill>
+                            <a:srgbClr val="00B050"/>
+                          </a:solidFill>
+                          <a:effectLst/>
+                          <a:latin typeface="+mn-lt"/>
+                          <a:ea typeface="+mn-ea"/>
+                          <a:cs typeface="+mn-cs"/>
+                        </a:rPr>
+                        <a:t>✓</a:t>
+                      </a:r>
+                      <a:endParaRPr lang="en-US" sz="2700" dirty="0"/>
+                    </a:p>
+                  </a:txBody>
+                  <a:tcPr marL="95801" marR="95801" marT="47900" marB="47900" anchor="ctr"/>
+                </a:tc>
+                <a:tc>
+                  <a:txBody>
+                    <a:bodyPr/>
+                    <a:lstStyle/>
+                    <a:p>
+                      <a:pPr algn="ctr"/>
+                      <a:r>
+                        <a:rPr lang="en-US" sz="1500" b="1" dirty="0"/>
+                        <a:t>Permanently Off</a:t>
+                      </a:r>
+                      <a:endParaRPr lang="en-US" sz="1500" dirty="0"/>
+                    </a:p>
+                  </a:txBody>
+                  <a:tcPr marL="95801" marR="95801" marT="47900" marB="47900" anchor="ctr"/>
+                </a:tc>
+                <a:extLst>
+                  <a:ext uri="{0D108BD9-81ED-4DB2-BD59-A6C34878D82A}">
+                    <a16:rowId xmlns:a16="http://schemas.microsoft.com/office/drawing/2014/main" val="1412966610"/>
+                  </a:ext>
+                </a:extLst>
+              </a:tr>
+              <a:tr h="569562">
+                <a:tc>
+                  <a:txBody>
+                    <a:bodyPr/>
+                    <a:lstStyle/>
+                    <a:p>
+                      <a:endParaRPr lang="en-US" sz="1900" dirty="0"/>
+                    </a:p>
+                  </a:txBody>
+                  <a:tcPr marL="95801" marR="95801" marT="47900" marB="47900"/>
+                </a:tc>
+                <a:tc gridSpan="3">
+                  <a:txBody>
+                    <a:bodyPr/>
+                    <a:lstStyle/>
+                    <a:p>
+                      <a:pPr marL="0" marR="0" lvl="0" indent="0" algn="ctr" defTabSz="914400" rtl="0" eaLnBrk="1" fontAlgn="auto" latinLnBrk="0" hangingPunct="1">
+                        <a:lnSpc>
+                          <a:spcPct val="100000"/>
+                        </a:lnSpc>
+                        <a:spcBef>
+                          <a:spcPts val="0"/>
+                        </a:spcBef>
+                        <a:spcAft>
+                          <a:spcPts val="0"/>
+                        </a:spcAft>
+                        <a:buClrTx/>
+                        <a:buSzTx/>
+                        <a:buFontTx/>
+                        <a:buNone/>
+                        <a:tabLst/>
+                        <a:defRPr/>
+                      </a:pPr>
+                      <a:r>
+                        <a:rPr lang="en-US" sz="2700" b="1" dirty="0"/>
+                        <a:t>Block no longer exists</a:t>
+                      </a:r>
+                    </a:p>
+                  </a:txBody>
+                  <a:tcPr marL="95801" marR="95801" marT="47900" marB="47900" anchor="ctr"/>
+                </a:tc>
+                <a:tc hMerge="1">
+                  <a:txBody>
+                    <a:bodyPr/>
+                    <a:lstStyle/>
+                    <a:p>
+                      <a:pPr algn="ctr"/>
+                      <a:endParaRPr lang="en-US" sz="4000" b="1" dirty="0">
+                        <a:solidFill>
+                          <a:srgbClr val="FF0000"/>
+                        </a:solidFill>
+                      </a:endParaRPr>
+                    </a:p>
+                  </a:txBody>
+                  <a:tcPr marL="127734" marR="127734" marT="63867" marB="63867" anchor="ctr"/>
+                </a:tc>
+                <a:tc hMerge="1">
+                  <a:txBody>
+                    <a:bodyPr/>
+                    <a:lstStyle/>
+                    <a:p>
+                      <a:pPr marL="0" marR="0" lvl="0" indent="0" algn="ctr" defTabSz="914400" rtl="0" eaLnBrk="1" fontAlgn="auto" latinLnBrk="0" hangingPunct="1">
+                        <a:lnSpc>
+                          <a:spcPct val="100000"/>
+                        </a:lnSpc>
+                        <a:spcBef>
+                          <a:spcPts val="0"/>
+                        </a:spcBef>
+                        <a:spcAft>
+                          <a:spcPts val="0"/>
+                        </a:spcAft>
+                        <a:buClrTx/>
+                        <a:buSzTx/>
+                        <a:buFontTx/>
+                        <a:buNone/>
+                        <a:tabLst/>
+                        <a:defRPr/>
+                      </a:pPr>
+                      <a:endParaRPr lang="en-US" sz="2000" b="1" dirty="0"/>
+                    </a:p>
+                  </a:txBody>
+                  <a:tcPr marL="127734" marR="127734" marT="63867" marB="63867" anchor="ctr"/>
+                </a:tc>
+                <a:extLst>
+                  <a:ext uri="{0D108BD9-81ED-4DB2-BD59-A6C34878D82A}">
+                    <a16:rowId xmlns:a16="http://schemas.microsoft.com/office/drawing/2014/main" val="173933900"/>
+                  </a:ext>
+                </a:extLst>
+              </a:tr>
+              <a:tr h="1078558">
+                <a:tc>
+                  <a:txBody>
+                    <a:bodyPr/>
+                    <a:lstStyle/>
+                    <a:p>
+                      <a:endParaRPr lang="en-US" sz="1900" dirty="0"/>
+                    </a:p>
+                  </a:txBody>
+                  <a:tcPr marL="95801" marR="95801" marT="47900" marB="47900"/>
+                </a:tc>
+                <a:tc>
+                  <a:txBody>
+                    <a:bodyPr/>
+                    <a:lstStyle/>
+                    <a:p>
+                      <a:pPr algn="ctr"/>
+                      <a:r>
+                        <a:rPr lang="en-US" sz="3000" b="1" i="0" kern="1200" dirty="0">
+                          <a:solidFill>
+                            <a:srgbClr val="FF0000"/>
+                          </a:solidFill>
+                          <a:effectLst/>
+                          <a:latin typeface="+mn-lt"/>
+                          <a:ea typeface="+mn-ea"/>
+                          <a:cs typeface="+mn-cs"/>
+                        </a:rPr>
+                        <a:t>✗</a:t>
+                      </a:r>
+                      <a:endParaRPr lang="en-US" sz="3000" dirty="0"/>
+                    </a:p>
+                  </a:txBody>
+                  <a:tcPr marL="95801" marR="95801" marT="47900" marB="47900" anchor="ctr"/>
+                </a:tc>
+                <a:tc>
+                  <a:txBody>
+                    <a:bodyPr/>
+                    <a:lstStyle/>
+                    <a:p>
+                      <a:pPr algn="ctr"/>
+                      <a:r>
+                        <a:rPr lang="en-US" sz="3000" b="1" i="0" kern="1200" dirty="0">
+                          <a:solidFill>
+                            <a:srgbClr val="00B050"/>
+                          </a:solidFill>
+                          <a:effectLst/>
+                          <a:latin typeface="+mn-lt"/>
+                          <a:ea typeface="+mn-ea"/>
+                          <a:cs typeface="+mn-cs"/>
+                        </a:rPr>
+                        <a:t>✓</a:t>
+                      </a:r>
+                      <a:endParaRPr lang="en-US" sz="2700" dirty="0"/>
+                    </a:p>
+                  </a:txBody>
+                  <a:tcPr marL="95801" marR="95801" marT="47900" marB="47900" anchor="ctr"/>
+                </a:tc>
+                <a:tc>
+                  <a:txBody>
+                    <a:bodyPr/>
+                    <a:lstStyle/>
+                    <a:p>
+                      <a:pPr marL="0" marR="0" lvl="0" indent="0" algn="ctr" defTabSz="914400" rtl="0" eaLnBrk="1" fontAlgn="auto" latinLnBrk="0" hangingPunct="1">
+                        <a:lnSpc>
+                          <a:spcPct val="100000"/>
+                        </a:lnSpc>
+                        <a:spcBef>
+                          <a:spcPts val="0"/>
+                        </a:spcBef>
+                        <a:spcAft>
+                          <a:spcPts val="0"/>
+                        </a:spcAft>
+                        <a:buClrTx/>
+                        <a:buSzTx/>
+                        <a:buFontTx/>
+                        <a:buNone/>
+                        <a:tabLst/>
+                        <a:defRPr/>
+                      </a:pPr>
+                      <a:r>
+                        <a:rPr lang="en-US" sz="1500" b="1" dirty="0"/>
+                        <a:t>Permanently On</a:t>
+                      </a:r>
+                      <a:endParaRPr lang="en-US" sz="1500" dirty="0"/>
+                    </a:p>
+                  </a:txBody>
+                  <a:tcPr marL="95801" marR="95801" marT="47900" marB="47900" anchor="ctr"/>
+                </a:tc>
+                <a:extLst>
+                  <a:ext uri="{0D108BD9-81ED-4DB2-BD59-A6C34878D82A}">
+                    <a16:rowId xmlns:a16="http://schemas.microsoft.com/office/drawing/2014/main" val="301280252"/>
+                  </a:ext>
+                </a:extLst>
+              </a:tr>
+              <a:tr h="1078558">
+                <a:tc>
+                  <a:txBody>
+                    <a:bodyPr/>
+                    <a:lstStyle/>
+                    <a:p>
+                      <a:endParaRPr lang="en-US" sz="1900" dirty="0"/>
+                    </a:p>
+                  </a:txBody>
+                  <a:tcPr marL="95801" marR="95801" marT="47900" marB="47900"/>
+                </a:tc>
+                <a:tc>
+                  <a:txBody>
+                    <a:bodyPr/>
+                    <a:lstStyle/>
+                    <a:p>
+                      <a:pPr algn="ctr"/>
+                      <a:r>
+                        <a:rPr lang="en-US" sz="3000" b="1" i="0" kern="1200" dirty="0">
+                          <a:solidFill>
+                            <a:srgbClr val="FF0000"/>
+                          </a:solidFill>
+                          <a:effectLst/>
+                          <a:latin typeface="+mn-lt"/>
+                          <a:ea typeface="+mn-ea"/>
+                          <a:cs typeface="+mn-cs"/>
+                        </a:rPr>
+                        <a:t>✗</a:t>
+                      </a:r>
+                      <a:endParaRPr lang="en-US" sz="3000" dirty="0"/>
+                    </a:p>
+                  </a:txBody>
+                  <a:tcPr marL="95801" marR="95801" marT="47900" marB="47900" anchor="ctr"/>
+                </a:tc>
+                <a:tc>
+                  <a:txBody>
+                    <a:bodyPr/>
+                    <a:lstStyle/>
+                    <a:p>
+                      <a:pPr algn="ctr"/>
+                      <a:r>
+                        <a:rPr lang="en-US" sz="3000" b="1" i="0" kern="1200" dirty="0">
+                          <a:solidFill>
+                            <a:srgbClr val="FF0000"/>
+                          </a:solidFill>
+                          <a:effectLst/>
+                          <a:latin typeface="+mn-lt"/>
+                          <a:ea typeface="+mn-ea"/>
+                          <a:cs typeface="+mn-cs"/>
+                        </a:rPr>
+                        <a:t>✗</a:t>
+                      </a:r>
+                      <a:endParaRPr lang="en-US" sz="2700" dirty="0"/>
+                    </a:p>
+                  </a:txBody>
+                  <a:tcPr marL="95801" marR="95801" marT="47900" marB="47900" anchor="ctr"/>
+                </a:tc>
+                <a:tc>
+                  <a:txBody>
+                    <a:bodyPr/>
+                    <a:lstStyle/>
+                    <a:p>
+                      <a:pPr marL="0" marR="0" lvl="0" indent="0" algn="ctr" defTabSz="914400" rtl="0" eaLnBrk="1" fontAlgn="auto" latinLnBrk="0" hangingPunct="1">
+                        <a:lnSpc>
+                          <a:spcPct val="100000"/>
+                        </a:lnSpc>
+                        <a:spcBef>
+                          <a:spcPts val="0"/>
+                        </a:spcBef>
+                        <a:spcAft>
+                          <a:spcPts val="0"/>
+                        </a:spcAft>
+                        <a:buClrTx/>
+                        <a:buSzTx/>
+                        <a:buFontTx/>
+                        <a:buNone/>
+                        <a:tabLst/>
+                        <a:defRPr/>
+                      </a:pPr>
+                      <a:r>
+                        <a:rPr lang="en-US" sz="1500" b="1" dirty="0"/>
+                        <a:t>Permanently On</a:t>
+                      </a:r>
+                      <a:endParaRPr lang="en-US" sz="1500" dirty="0"/>
+                    </a:p>
+                  </a:txBody>
+                  <a:tcPr marL="95801" marR="95801" marT="47900" marB="47900" anchor="ctr"/>
+                </a:tc>
+                <a:extLst>
+                  <a:ext uri="{0D108BD9-81ED-4DB2-BD59-A6C34878D82A}">
+                    <a16:rowId xmlns:a16="http://schemas.microsoft.com/office/drawing/2014/main" val="3005671303"/>
+                  </a:ext>
+                </a:extLst>
+              </a:tr>
+            </a:tbl>
+          </a:graphicData>
+        </a:graphic>
+      </p:graphicFrame>
       <p:pic>
         <p:nvPicPr>
-          <p:cNvPr id="9" name="Picture 8">
-            <a:extLst>
-              <a:ext uri="{FF2B5EF4-FFF2-40B4-BE49-F238E27FC236}">
-                <a16:creationId xmlns:a16="http://schemas.microsoft.com/office/drawing/2014/main" id="{4085D4F2-0B81-C967-A37D-E9EA9EA5981B}"/>
+          <p:cNvPr id="6" name="Picture 5">
+            <a:extLst>
+              <a:ext uri="{FF2B5EF4-FFF2-40B4-BE49-F238E27FC236}">
+                <a16:creationId xmlns:a16="http://schemas.microsoft.com/office/drawing/2014/main" id="{434C21FF-2D41-C465-7887-55D9C72F991D}"/>
               </a:ext>
             </a:extLst>
           </p:cNvPr>
@@ -9497,18 +10883,238 @@
         </p:blipFill>
         <p:spPr>
           <a:xfrm>
-            <a:off x="685800" y="1243012"/>
-            <a:ext cx="7772400" cy="4371975"/>
+            <a:off x="413089" y="5074010"/>
+            <a:ext cx="2992319" cy="1083728"/>
           </a:xfrm>
           <a:prstGeom prst="rect">
             <a:avLst/>
           </a:prstGeom>
         </p:spPr>
       </p:pic>
+      <p:pic>
+        <p:nvPicPr>
+          <p:cNvPr id="10" name="Picture 9">
+            <a:extLst>
+              <a:ext uri="{FF2B5EF4-FFF2-40B4-BE49-F238E27FC236}">
+                <a16:creationId xmlns:a16="http://schemas.microsoft.com/office/drawing/2014/main" id="{18F028E9-DE5C-16B2-EFF2-BAB8F36A4309}"/>
+              </a:ext>
+            </a:extLst>
+          </p:cNvPr>
+          <p:cNvPicPr>
+            <a:picLocks noChangeAspect="1"/>
+          </p:cNvPicPr>
+          <p:nvPr/>
+        </p:nvPicPr>
+        <p:blipFill>
+          <a:blip r:embed="rId3"/>
+          <a:stretch>
+            <a:fillRect/>
+          </a:stretch>
+        </p:blipFill>
+        <p:spPr>
+          <a:xfrm>
+            <a:off x="413089" y="4005807"/>
+            <a:ext cx="2992319" cy="1063283"/>
+          </a:xfrm>
+          <a:prstGeom prst="rect">
+            <a:avLst/>
+          </a:prstGeom>
+        </p:spPr>
+      </p:pic>
+      <p:pic>
+        <p:nvPicPr>
+          <p:cNvPr id="12" name="Picture 11">
+            <a:extLst>
+              <a:ext uri="{FF2B5EF4-FFF2-40B4-BE49-F238E27FC236}">
+                <a16:creationId xmlns:a16="http://schemas.microsoft.com/office/drawing/2014/main" id="{D355356A-368D-80F3-4FC2-7961D9732751}"/>
+              </a:ext>
+            </a:extLst>
+          </p:cNvPr>
+          <p:cNvPicPr>
+            <a:picLocks noChangeAspect="1"/>
+          </p:cNvPicPr>
+          <p:nvPr/>
+        </p:nvPicPr>
+        <p:blipFill>
+          <a:blip r:embed="rId4"/>
+          <a:stretch>
+            <a:fillRect/>
+          </a:stretch>
+        </p:blipFill>
+        <p:spPr>
+          <a:xfrm>
+            <a:off x="413090" y="3443312"/>
+            <a:ext cx="2992318" cy="557575"/>
+          </a:xfrm>
+          <a:prstGeom prst="rect">
+            <a:avLst/>
+          </a:prstGeom>
+        </p:spPr>
+      </p:pic>
+      <p:sp>
+        <p:nvSpPr>
+          <p:cNvPr id="13" name="TextBox 12">
+            <a:extLst>
+              <a:ext uri="{FF2B5EF4-FFF2-40B4-BE49-F238E27FC236}">
+                <a16:creationId xmlns:a16="http://schemas.microsoft.com/office/drawing/2014/main" id="{581D8DAA-001F-D111-164D-ECD5469074C0}"/>
+              </a:ext>
+            </a:extLst>
+          </p:cNvPr>
+          <p:cNvSpPr txBox="1"/>
+          <p:nvPr/>
+        </p:nvSpPr>
+        <p:spPr>
+          <a:xfrm>
+            <a:off x="413089" y="1126272"/>
+            <a:ext cx="8182346" cy="415498"/>
+          </a:xfrm>
+          <a:prstGeom prst="rect">
+            <a:avLst/>
+          </a:prstGeom>
+          <a:noFill/>
+        </p:spPr>
+        <p:txBody>
+          <a:bodyPr wrap="square" rtlCol="0">
+            <a:spAutoFit/>
+          </a:bodyPr>
+          <a:lstStyle/>
+          <a:p>
+            <a:pPr algn="ctr"/>
+            <a:r>
+              <a:rPr lang="en-US" sz="2100" b="1" dirty="0"/>
+              <a:t>SPIKE 3 (3.2.0)</a:t>
+            </a:r>
+          </a:p>
+        </p:txBody>
+      </p:sp>
+      <p:pic>
+        <p:nvPicPr>
+          <p:cNvPr id="15" name="Picture 14">
+            <a:extLst>
+              <a:ext uri="{FF2B5EF4-FFF2-40B4-BE49-F238E27FC236}">
+                <a16:creationId xmlns:a16="http://schemas.microsoft.com/office/drawing/2014/main" id="{6D95A7F6-B1A5-4DF6-6072-355F3AFD4259}"/>
+              </a:ext>
+            </a:extLst>
+          </p:cNvPr>
+          <p:cNvPicPr>
+            <a:picLocks noChangeAspect="1"/>
+          </p:cNvPicPr>
+          <p:nvPr/>
+        </p:nvPicPr>
+        <p:blipFill>
+          <a:blip r:embed="rId5"/>
+          <a:stretch>
+            <a:fillRect/>
+          </a:stretch>
+        </p:blipFill>
+        <p:spPr>
+          <a:xfrm>
+            <a:off x="413088" y="2236326"/>
+            <a:ext cx="2998230" cy="581027"/>
+          </a:xfrm>
+          <a:prstGeom prst="rect">
+            <a:avLst/>
+          </a:prstGeom>
+        </p:spPr>
+      </p:pic>
+      <p:pic>
+        <p:nvPicPr>
+          <p:cNvPr id="17" name="Picture 16">
+            <a:extLst>
+              <a:ext uri="{FF2B5EF4-FFF2-40B4-BE49-F238E27FC236}">
+                <a16:creationId xmlns:a16="http://schemas.microsoft.com/office/drawing/2014/main" id="{2DBBB3EB-8284-8874-0E27-97753DB850A0}"/>
+              </a:ext>
+            </a:extLst>
+          </p:cNvPr>
+          <p:cNvPicPr>
+            <a:picLocks noChangeAspect="1"/>
+          </p:cNvPicPr>
+          <p:nvPr/>
+        </p:nvPicPr>
+        <p:blipFill>
+          <a:blip r:embed="rId6"/>
+          <a:stretch>
+            <a:fillRect/>
+          </a:stretch>
+        </p:blipFill>
+        <p:spPr>
+          <a:xfrm>
+            <a:off x="407178" y="2825211"/>
+            <a:ext cx="3000289" cy="617706"/>
+          </a:xfrm>
+          <a:prstGeom prst="rect">
+            <a:avLst/>
+          </a:prstGeom>
+        </p:spPr>
+      </p:pic>
+      <p:sp>
+        <p:nvSpPr>
+          <p:cNvPr id="7" name="Title 6">
+            <a:extLst>
+              <a:ext uri="{FF2B5EF4-FFF2-40B4-BE49-F238E27FC236}">
+                <a16:creationId xmlns:a16="http://schemas.microsoft.com/office/drawing/2014/main" id="{3B2CC3CD-0C29-10D2-B21E-C2424EAD948F}"/>
+              </a:ext>
+            </a:extLst>
+          </p:cNvPr>
+          <p:cNvSpPr>
+            <a:spLocks noGrp="1"/>
+          </p:cNvSpPr>
+          <p:nvPr>
+            <p:ph type="title"/>
+          </p:nvPr>
+        </p:nvSpPr>
+        <p:spPr/>
+        <p:txBody>
+          <a:bodyPr/>
+          <a:lstStyle/>
+          <a:p>
+            <a:r>
+              <a:rPr lang="en-US" dirty="0"/>
+              <a:t>DIFFERENCES BETWEEN SPIKE 2 and SPIKE 3</a:t>
+            </a:r>
+          </a:p>
+        </p:txBody>
+      </p:sp>
+      <p:sp>
+        <p:nvSpPr>
+          <p:cNvPr id="8" name="Footer Placeholder 7">
+            <a:extLst>
+              <a:ext uri="{FF2B5EF4-FFF2-40B4-BE49-F238E27FC236}">
+                <a16:creationId xmlns:a16="http://schemas.microsoft.com/office/drawing/2014/main" id="{BDBA5E47-6A4B-020B-4AA2-4502EFD12398}"/>
+              </a:ext>
+            </a:extLst>
+          </p:cNvPr>
+          <p:cNvSpPr>
+            <a:spLocks noGrp="1"/>
+          </p:cNvSpPr>
+          <p:nvPr>
+            <p:ph type="ftr" sz="quarter" idx="11"/>
+          </p:nvPr>
+        </p:nvSpPr>
+        <p:spPr/>
+        <p:txBody>
+          <a:bodyPr/>
+          <a:lstStyle/>
+          <a:p>
+            <a:r>
+              <a:rPr lang="en-US" sz="900" dirty="0"/>
+              <a:t>Copyright © 2023 SPIKE Prime Lessons (</a:t>
+            </a:r>
+            <a:r>
+              <a:rPr lang="en-US" sz="900" dirty="0" err="1"/>
+              <a:t>primelessons.org</a:t>
+            </a:r>
+            <a:r>
+              <a:rPr lang="en-US" sz="900" dirty="0"/>
+              <a:t>) CC-BY-NC-SA.  (Last edit: 6/23/2023)</a:t>
+            </a:r>
+          </a:p>
+        </p:txBody>
+      </p:sp>
     </p:spTree>
     <p:extLst>
       <p:ext uri="{BB962C8B-B14F-4D97-AF65-F5344CB8AC3E}">
-        <p14:creationId xmlns:p14="http://schemas.microsoft.com/office/powerpoint/2010/main" val="1703471965"/>
+        <p14:creationId xmlns:p14="http://schemas.microsoft.com/office/powerpoint/2010/main" val="2419153558"/>
       </p:ext>
     </p:extLst>
   </p:cSld>
@@ -9535,12 +11141,1425 @@
           <a:chExt cx="0" cy="0"/>
         </a:xfrm>
       </p:grpSpPr>
-      <p:sp>
-        <p:nvSpPr>
-          <p:cNvPr id="2" name="Title 1">
-            <a:extLst>
-              <a:ext uri="{FF2B5EF4-FFF2-40B4-BE49-F238E27FC236}">
-                <a16:creationId xmlns:a16="http://schemas.microsoft.com/office/drawing/2014/main" id="{3D97D6CF-F890-1AF5-E1DF-72FD909F62D0}"/>
+      <p:pic>
+        <p:nvPicPr>
+          <p:cNvPr id="12" name="Picture 11" descr="Chart, line chart&#10;&#10;Description automatically generated">
+            <a:extLst>
+              <a:ext uri="{FF2B5EF4-FFF2-40B4-BE49-F238E27FC236}">
+                <a16:creationId xmlns:a16="http://schemas.microsoft.com/office/drawing/2014/main" id="{0F4B29F9-1F95-66B8-20F1-6E90F674B07E}"/>
+              </a:ext>
+            </a:extLst>
+          </p:cNvPr>
+          <p:cNvPicPr>
+            <a:picLocks noChangeAspect="1"/>
+          </p:cNvPicPr>
+          <p:nvPr/>
+        </p:nvPicPr>
+        <p:blipFill>
+          <a:blip r:embed="rId2">
+            <a:extLst>
+              <a:ext uri="{28A0092B-C50C-407E-A947-70E740481C1C}">
+                <a14:useLocalDpi xmlns:a14="http://schemas.microsoft.com/office/drawing/2010/main" val="0"/>
+              </a:ext>
+            </a:extLst>
+          </a:blip>
+          <a:stretch>
+            <a:fillRect/>
+          </a:stretch>
+        </p:blipFill>
+        <p:spPr>
+          <a:xfrm>
+            <a:off x="121415" y="2648976"/>
+            <a:ext cx="4389753" cy="2388071"/>
+          </a:xfrm>
+          <a:prstGeom prst="rect">
+            <a:avLst/>
+          </a:prstGeom>
+          <a:ln w="28575">
+            <a:solidFill>
+              <a:schemeClr val="tx1"/>
+            </a:solidFill>
+          </a:ln>
+        </p:spPr>
+      </p:pic>
+      <p:pic>
+        <p:nvPicPr>
+          <p:cNvPr id="10" name="Picture 9" descr="Chart, line chart&#10;&#10;Description automatically generated">
+            <a:extLst>
+              <a:ext uri="{FF2B5EF4-FFF2-40B4-BE49-F238E27FC236}">
+                <a16:creationId xmlns:a16="http://schemas.microsoft.com/office/drawing/2014/main" id="{7DFB3CD6-3E5D-319F-45A9-0823444AEDF4}"/>
+              </a:ext>
+            </a:extLst>
+          </p:cNvPr>
+          <p:cNvPicPr>
+            <a:picLocks noChangeAspect="1"/>
+          </p:cNvPicPr>
+          <p:nvPr/>
+        </p:nvPicPr>
+        <p:blipFill>
+          <a:blip r:embed="rId3">
+            <a:extLst>
+              <a:ext uri="{28A0092B-C50C-407E-A947-70E740481C1C}">
+                <a14:useLocalDpi xmlns:a14="http://schemas.microsoft.com/office/drawing/2010/main" val="0"/>
+              </a:ext>
+            </a:extLst>
+          </a:blip>
+          <a:stretch>
+            <a:fillRect/>
+          </a:stretch>
+        </p:blipFill>
+        <p:spPr>
+          <a:xfrm>
+            <a:off x="4642619" y="2648976"/>
+            <a:ext cx="4389753" cy="2388071"/>
+          </a:xfrm>
+          <a:prstGeom prst="rect">
+            <a:avLst/>
+          </a:prstGeom>
+          <a:ln w="28575">
+            <a:solidFill>
+              <a:schemeClr val="tx1"/>
+            </a:solidFill>
+          </a:ln>
+        </p:spPr>
+      </p:pic>
+      <p:pic>
+        <p:nvPicPr>
+          <p:cNvPr id="2" name="Picture 1">
+            <a:extLst>
+              <a:ext uri="{FF2B5EF4-FFF2-40B4-BE49-F238E27FC236}">
+                <a16:creationId xmlns:a16="http://schemas.microsoft.com/office/drawing/2014/main" id="{9ECC7F7E-C3DF-469B-009F-6E6473A09F74}"/>
+              </a:ext>
+            </a:extLst>
+          </p:cNvPr>
+          <p:cNvPicPr>
+            <a:picLocks noChangeAspect="1"/>
+          </p:cNvPicPr>
+          <p:nvPr/>
+        </p:nvPicPr>
+        <p:blipFill>
+          <a:blip r:embed="rId4"/>
+          <a:stretch>
+            <a:fillRect/>
+          </a:stretch>
+        </p:blipFill>
+        <p:spPr>
+          <a:xfrm>
+            <a:off x="28257" y="1191435"/>
+            <a:ext cx="3409316" cy="660692"/>
+          </a:xfrm>
+          <a:prstGeom prst="rect">
+            <a:avLst/>
+          </a:prstGeom>
+        </p:spPr>
+      </p:pic>
+      <p:sp>
+        <p:nvSpPr>
+          <p:cNvPr id="3" name="TextBox 2">
+            <a:extLst>
+              <a:ext uri="{FF2B5EF4-FFF2-40B4-BE49-F238E27FC236}">
+                <a16:creationId xmlns:a16="http://schemas.microsoft.com/office/drawing/2014/main" id="{0E18C4C6-1C3F-F065-AD18-C026C78EFEEB}"/>
+              </a:ext>
+            </a:extLst>
+          </p:cNvPr>
+          <p:cNvSpPr txBox="1"/>
+          <p:nvPr/>
+        </p:nvSpPr>
+        <p:spPr>
+          <a:xfrm>
+            <a:off x="111631" y="2312416"/>
+            <a:ext cx="4389752" cy="323165"/>
+          </a:xfrm>
+          <a:prstGeom prst="rect">
+            <a:avLst/>
+          </a:prstGeom>
+          <a:noFill/>
+        </p:spPr>
+        <p:txBody>
+          <a:bodyPr wrap="square">
+            <a:spAutoFit/>
+          </a:bodyPr>
+          <a:lstStyle/>
+          <a:p>
+            <a:r>
+              <a:rPr lang="en-US" sz="1500" b="1" dirty="0"/>
+              <a:t>SPIKE Legacy (2.0.9) </a:t>
+            </a:r>
+            <a:endParaRPr lang="en-US" sz="1500" dirty="0"/>
+          </a:p>
+        </p:txBody>
+      </p:sp>
+      <p:sp>
+        <p:nvSpPr>
+          <p:cNvPr id="4" name="TextBox 3">
+            <a:extLst>
+              <a:ext uri="{FF2B5EF4-FFF2-40B4-BE49-F238E27FC236}">
+                <a16:creationId xmlns:a16="http://schemas.microsoft.com/office/drawing/2014/main" id="{8A000E04-D025-ACD8-F7AE-708579AB613F}"/>
+              </a:ext>
+            </a:extLst>
+          </p:cNvPr>
+          <p:cNvSpPr txBox="1"/>
+          <p:nvPr/>
+        </p:nvSpPr>
+        <p:spPr>
+          <a:xfrm>
+            <a:off x="4642618" y="2312416"/>
+            <a:ext cx="4389752" cy="323165"/>
+          </a:xfrm>
+          <a:prstGeom prst="rect">
+            <a:avLst/>
+          </a:prstGeom>
+          <a:noFill/>
+        </p:spPr>
+        <p:txBody>
+          <a:bodyPr wrap="square">
+            <a:spAutoFit/>
+          </a:bodyPr>
+          <a:lstStyle/>
+          <a:p>
+            <a:r>
+              <a:rPr lang="en-US" sz="1500" b="1" dirty="0"/>
+              <a:t>SPIKE 3 (3.2.0)</a:t>
+            </a:r>
+            <a:endParaRPr lang="en-US" sz="1500" dirty="0"/>
+          </a:p>
+        </p:txBody>
+      </p:sp>
+      <p:sp>
+        <p:nvSpPr>
+          <p:cNvPr id="14" name="TextBox 13">
+            <a:extLst>
+              <a:ext uri="{FF2B5EF4-FFF2-40B4-BE49-F238E27FC236}">
+                <a16:creationId xmlns:a16="http://schemas.microsoft.com/office/drawing/2014/main" id="{496C9202-1D08-852F-71D4-7EE743D0C9E4}"/>
+              </a:ext>
+            </a:extLst>
+          </p:cNvPr>
+          <p:cNvSpPr txBox="1"/>
+          <p:nvPr/>
+        </p:nvSpPr>
+        <p:spPr>
+          <a:xfrm>
+            <a:off x="495130" y="4645331"/>
+            <a:ext cx="944642" cy="346249"/>
+          </a:xfrm>
+          <a:prstGeom prst="rect">
+            <a:avLst/>
+          </a:prstGeom>
+          <a:noFill/>
+        </p:spPr>
+        <p:txBody>
+          <a:bodyPr wrap="square" rtlCol="0">
+            <a:spAutoFit/>
+          </a:bodyPr>
+          <a:lstStyle/>
+          <a:p>
+            <a:pPr algn="ctr"/>
+            <a:r>
+              <a:rPr lang="en-US" sz="825" b="1" dirty="0"/>
+              <a:t>Rub against motor</a:t>
+            </a:r>
+          </a:p>
+        </p:txBody>
+      </p:sp>
+      <p:sp>
+        <p:nvSpPr>
+          <p:cNvPr id="16" name="TextBox 15">
+            <a:extLst>
+              <a:ext uri="{FF2B5EF4-FFF2-40B4-BE49-F238E27FC236}">
+                <a16:creationId xmlns:a16="http://schemas.microsoft.com/office/drawing/2014/main" id="{697C7E32-6CA5-5764-701E-C90EFB6BEA8E}"/>
+              </a:ext>
+            </a:extLst>
+          </p:cNvPr>
+          <p:cNvSpPr txBox="1"/>
+          <p:nvPr/>
+        </p:nvSpPr>
+        <p:spPr>
+          <a:xfrm>
+            <a:off x="2153246" y="4654979"/>
+            <a:ext cx="735519" cy="346249"/>
+          </a:xfrm>
+          <a:prstGeom prst="rect">
+            <a:avLst/>
+          </a:prstGeom>
+          <a:noFill/>
+        </p:spPr>
+        <p:txBody>
+          <a:bodyPr wrap="square" rtlCol="0">
+            <a:spAutoFit/>
+          </a:bodyPr>
+          <a:lstStyle/>
+          <a:p>
+            <a:pPr algn="ctr"/>
+            <a:r>
+              <a:rPr lang="en-US" sz="825" b="1" dirty="0"/>
+              <a:t>Hold motor</a:t>
+            </a:r>
+          </a:p>
+        </p:txBody>
+      </p:sp>
+      <p:cxnSp>
+        <p:nvCxnSpPr>
+          <p:cNvPr id="18" name="Straight Connector 17">
+            <a:extLst>
+              <a:ext uri="{FF2B5EF4-FFF2-40B4-BE49-F238E27FC236}">
+                <a16:creationId xmlns:a16="http://schemas.microsoft.com/office/drawing/2014/main" id="{FA0B45D8-D936-F870-7A84-437526AF2E15}"/>
+              </a:ext>
+            </a:extLst>
+          </p:cNvPr>
+          <p:cNvCxnSpPr>
+            <a:cxnSpLocks/>
+          </p:cNvCxnSpPr>
+          <p:nvPr/>
+        </p:nvCxnSpPr>
+        <p:spPr>
+          <a:xfrm flipV="1">
+            <a:off x="507425" y="4660500"/>
+            <a:ext cx="0" cy="185166"/>
+          </a:xfrm>
+          <a:prstGeom prst="line">
+            <a:avLst/>
+          </a:prstGeom>
+          <a:ln w="28575">
+            <a:solidFill>
+              <a:schemeClr val="accent4"/>
+            </a:solidFill>
+          </a:ln>
+        </p:spPr>
+        <p:style>
+          <a:lnRef idx="1">
+            <a:schemeClr val="accent1"/>
+          </a:lnRef>
+          <a:fillRef idx="0">
+            <a:schemeClr val="accent1"/>
+          </a:fillRef>
+          <a:effectRef idx="0">
+            <a:schemeClr val="accent1"/>
+          </a:effectRef>
+          <a:fontRef idx="minor">
+            <a:schemeClr val="tx1"/>
+          </a:fontRef>
+        </p:style>
+      </p:cxnSp>
+      <p:cxnSp>
+        <p:nvCxnSpPr>
+          <p:cNvPr id="19" name="Straight Connector 18">
+            <a:extLst>
+              <a:ext uri="{FF2B5EF4-FFF2-40B4-BE49-F238E27FC236}">
+                <a16:creationId xmlns:a16="http://schemas.microsoft.com/office/drawing/2014/main" id="{6B168587-7052-B6FB-E971-0CBE8B69F974}"/>
+              </a:ext>
+            </a:extLst>
+          </p:cNvPr>
+          <p:cNvCxnSpPr>
+            <a:cxnSpLocks/>
+          </p:cNvCxnSpPr>
+          <p:nvPr/>
+        </p:nvCxnSpPr>
+        <p:spPr>
+          <a:xfrm flipV="1">
+            <a:off x="1424396" y="4279804"/>
+            <a:ext cx="0" cy="565862"/>
+          </a:xfrm>
+          <a:prstGeom prst="line">
+            <a:avLst/>
+          </a:prstGeom>
+          <a:ln w="28575">
+            <a:solidFill>
+              <a:schemeClr val="accent4"/>
+            </a:solidFill>
+          </a:ln>
+        </p:spPr>
+        <p:style>
+          <a:lnRef idx="1">
+            <a:schemeClr val="accent1"/>
+          </a:lnRef>
+          <a:fillRef idx="0">
+            <a:schemeClr val="accent1"/>
+          </a:fillRef>
+          <a:effectRef idx="0">
+            <a:schemeClr val="accent1"/>
+          </a:effectRef>
+          <a:fontRef idx="minor">
+            <a:schemeClr val="tx1"/>
+          </a:fontRef>
+        </p:style>
+      </p:cxnSp>
+      <p:cxnSp>
+        <p:nvCxnSpPr>
+          <p:cNvPr id="20" name="Straight Connector 19">
+            <a:extLst>
+              <a:ext uri="{FF2B5EF4-FFF2-40B4-BE49-F238E27FC236}">
+                <a16:creationId xmlns:a16="http://schemas.microsoft.com/office/drawing/2014/main" id="{A84F195F-F23C-F019-4DF9-CE4C44641E8C}"/>
+              </a:ext>
+            </a:extLst>
+          </p:cNvPr>
+          <p:cNvCxnSpPr>
+            <a:cxnSpLocks/>
+          </p:cNvCxnSpPr>
+          <p:nvPr/>
+        </p:nvCxnSpPr>
+        <p:spPr>
+          <a:xfrm flipV="1">
+            <a:off x="2153246" y="3895387"/>
+            <a:ext cx="0" cy="950279"/>
+          </a:xfrm>
+          <a:prstGeom prst="line">
+            <a:avLst/>
+          </a:prstGeom>
+          <a:ln w="28575">
+            <a:solidFill>
+              <a:srgbClr val="FF0000"/>
+            </a:solidFill>
+          </a:ln>
+        </p:spPr>
+        <p:style>
+          <a:lnRef idx="1">
+            <a:schemeClr val="accent1"/>
+          </a:lnRef>
+          <a:fillRef idx="0">
+            <a:schemeClr val="accent1"/>
+          </a:fillRef>
+          <a:effectRef idx="0">
+            <a:schemeClr val="accent1"/>
+          </a:effectRef>
+          <a:fontRef idx="minor">
+            <a:schemeClr val="tx1"/>
+          </a:fontRef>
+        </p:style>
+      </p:cxnSp>
+      <p:cxnSp>
+        <p:nvCxnSpPr>
+          <p:cNvPr id="31" name="Straight Connector 30">
+            <a:extLst>
+              <a:ext uri="{FF2B5EF4-FFF2-40B4-BE49-F238E27FC236}">
+                <a16:creationId xmlns:a16="http://schemas.microsoft.com/office/drawing/2014/main" id="{7614EBCF-F3FA-899F-E355-30ECE3D82AD3}"/>
+              </a:ext>
+            </a:extLst>
+          </p:cNvPr>
+          <p:cNvCxnSpPr>
+            <a:cxnSpLocks/>
+          </p:cNvCxnSpPr>
+          <p:nvPr/>
+        </p:nvCxnSpPr>
+        <p:spPr>
+          <a:xfrm flipV="1">
+            <a:off x="2888765" y="3895387"/>
+            <a:ext cx="0" cy="950279"/>
+          </a:xfrm>
+          <a:prstGeom prst="line">
+            <a:avLst/>
+          </a:prstGeom>
+          <a:ln w="28575">
+            <a:solidFill>
+              <a:srgbClr val="FF0000"/>
+            </a:solidFill>
+          </a:ln>
+        </p:spPr>
+        <p:style>
+          <a:lnRef idx="1">
+            <a:schemeClr val="accent1"/>
+          </a:lnRef>
+          <a:fillRef idx="0">
+            <a:schemeClr val="accent1"/>
+          </a:fillRef>
+          <a:effectRef idx="0">
+            <a:schemeClr val="accent1"/>
+          </a:effectRef>
+          <a:fontRef idx="minor">
+            <a:schemeClr val="tx1"/>
+          </a:fontRef>
+        </p:style>
+      </p:cxnSp>
+      <p:sp>
+        <p:nvSpPr>
+          <p:cNvPr id="37" name="TextBox 36">
+            <a:extLst>
+              <a:ext uri="{FF2B5EF4-FFF2-40B4-BE49-F238E27FC236}">
+                <a16:creationId xmlns:a16="http://schemas.microsoft.com/office/drawing/2014/main" id="{9C88BFE1-2C18-2E77-AE8A-8D40978E8BCD}"/>
+              </a:ext>
+            </a:extLst>
+          </p:cNvPr>
+          <p:cNvSpPr txBox="1"/>
+          <p:nvPr/>
+        </p:nvSpPr>
+        <p:spPr>
+          <a:xfrm>
+            <a:off x="4856216" y="4524376"/>
+            <a:ext cx="1014201" cy="346249"/>
+          </a:xfrm>
+          <a:prstGeom prst="rect">
+            <a:avLst/>
+          </a:prstGeom>
+          <a:noFill/>
+        </p:spPr>
+        <p:txBody>
+          <a:bodyPr wrap="square" rtlCol="0">
+            <a:spAutoFit/>
+          </a:bodyPr>
+          <a:lstStyle/>
+          <a:p>
+            <a:pPr algn="ctr"/>
+            <a:r>
+              <a:rPr lang="en-US" sz="825" b="1" dirty="0"/>
+              <a:t>Rub </a:t>
+            </a:r>
+            <a:br>
+              <a:rPr lang="en-US" sz="825" b="1" dirty="0"/>
+            </a:br>
+            <a:r>
+              <a:rPr lang="en-US" sz="825" b="1" dirty="0"/>
+              <a:t>against motor</a:t>
+            </a:r>
+          </a:p>
+        </p:txBody>
+      </p:sp>
+      <p:sp>
+        <p:nvSpPr>
+          <p:cNvPr id="38" name="TextBox 37">
+            <a:extLst>
+              <a:ext uri="{FF2B5EF4-FFF2-40B4-BE49-F238E27FC236}">
+                <a16:creationId xmlns:a16="http://schemas.microsoft.com/office/drawing/2014/main" id="{D2266138-E109-1F99-7E67-AD91E0F04401}"/>
+              </a:ext>
+            </a:extLst>
+          </p:cNvPr>
+          <p:cNvSpPr txBox="1"/>
+          <p:nvPr/>
+        </p:nvSpPr>
+        <p:spPr>
+          <a:xfrm>
+            <a:off x="6336217" y="4645331"/>
+            <a:ext cx="1353661" cy="219291"/>
+          </a:xfrm>
+          <a:prstGeom prst="rect">
+            <a:avLst/>
+          </a:prstGeom>
+          <a:noFill/>
+        </p:spPr>
+        <p:txBody>
+          <a:bodyPr wrap="square" rtlCol="0">
+            <a:spAutoFit/>
+          </a:bodyPr>
+          <a:lstStyle/>
+          <a:p>
+            <a:pPr algn="ctr"/>
+            <a:r>
+              <a:rPr lang="en-US" sz="825" b="1" dirty="0"/>
+              <a:t>Hold motor</a:t>
+            </a:r>
+          </a:p>
+        </p:txBody>
+      </p:sp>
+      <p:cxnSp>
+        <p:nvCxnSpPr>
+          <p:cNvPr id="39" name="Straight Connector 38">
+            <a:extLst>
+              <a:ext uri="{FF2B5EF4-FFF2-40B4-BE49-F238E27FC236}">
+                <a16:creationId xmlns:a16="http://schemas.microsoft.com/office/drawing/2014/main" id="{B9E28292-4BC5-15DA-500C-9BC314A57CF3}"/>
+              </a:ext>
+            </a:extLst>
+          </p:cNvPr>
+          <p:cNvCxnSpPr>
+            <a:cxnSpLocks/>
+          </p:cNvCxnSpPr>
+          <p:nvPr/>
+        </p:nvCxnSpPr>
+        <p:spPr>
+          <a:xfrm flipV="1">
+            <a:off x="5028683" y="4682673"/>
+            <a:ext cx="0" cy="169339"/>
+          </a:xfrm>
+          <a:prstGeom prst="line">
+            <a:avLst/>
+          </a:prstGeom>
+          <a:ln w="28575">
+            <a:solidFill>
+              <a:schemeClr val="accent4"/>
+            </a:solidFill>
+          </a:ln>
+        </p:spPr>
+        <p:style>
+          <a:lnRef idx="1">
+            <a:schemeClr val="accent1"/>
+          </a:lnRef>
+          <a:fillRef idx="0">
+            <a:schemeClr val="accent1"/>
+          </a:fillRef>
+          <a:effectRef idx="0">
+            <a:schemeClr val="accent1"/>
+          </a:effectRef>
+          <a:fontRef idx="minor">
+            <a:schemeClr val="tx1"/>
+          </a:fontRef>
+        </p:style>
+      </p:cxnSp>
+      <p:cxnSp>
+        <p:nvCxnSpPr>
+          <p:cNvPr id="40" name="Straight Connector 39">
+            <a:extLst>
+              <a:ext uri="{FF2B5EF4-FFF2-40B4-BE49-F238E27FC236}">
+                <a16:creationId xmlns:a16="http://schemas.microsoft.com/office/drawing/2014/main" id="{AD12F832-FA32-283D-C838-7A594B5B1636}"/>
+              </a:ext>
+            </a:extLst>
+          </p:cNvPr>
+          <p:cNvCxnSpPr>
+            <a:cxnSpLocks/>
+          </p:cNvCxnSpPr>
+          <p:nvPr/>
+        </p:nvCxnSpPr>
+        <p:spPr>
+          <a:xfrm flipV="1">
+            <a:off x="5699629" y="4317971"/>
+            <a:ext cx="0" cy="534041"/>
+          </a:xfrm>
+          <a:prstGeom prst="line">
+            <a:avLst/>
+          </a:prstGeom>
+          <a:ln w="28575">
+            <a:solidFill>
+              <a:schemeClr val="accent4"/>
+            </a:solidFill>
+          </a:ln>
+        </p:spPr>
+        <p:style>
+          <a:lnRef idx="1">
+            <a:schemeClr val="accent1"/>
+          </a:lnRef>
+          <a:fillRef idx="0">
+            <a:schemeClr val="accent1"/>
+          </a:fillRef>
+          <a:effectRef idx="0">
+            <a:schemeClr val="accent1"/>
+          </a:effectRef>
+          <a:fontRef idx="minor">
+            <a:schemeClr val="tx1"/>
+          </a:fontRef>
+        </p:style>
+      </p:cxnSp>
+      <p:cxnSp>
+        <p:nvCxnSpPr>
+          <p:cNvPr id="41" name="Straight Connector 40">
+            <a:extLst>
+              <a:ext uri="{FF2B5EF4-FFF2-40B4-BE49-F238E27FC236}">
+                <a16:creationId xmlns:a16="http://schemas.microsoft.com/office/drawing/2014/main" id="{405CA480-5BEC-4F36-1A05-9D4E124E0F76}"/>
+              </a:ext>
+            </a:extLst>
+          </p:cNvPr>
+          <p:cNvCxnSpPr>
+            <a:cxnSpLocks/>
+          </p:cNvCxnSpPr>
+          <p:nvPr/>
+        </p:nvCxnSpPr>
+        <p:spPr>
+          <a:xfrm flipV="1">
+            <a:off x="6336216" y="3873859"/>
+            <a:ext cx="0" cy="971807"/>
+          </a:xfrm>
+          <a:prstGeom prst="line">
+            <a:avLst/>
+          </a:prstGeom>
+          <a:ln w="28575">
+            <a:solidFill>
+              <a:srgbClr val="FF0000"/>
+            </a:solidFill>
+          </a:ln>
+        </p:spPr>
+        <p:style>
+          <a:lnRef idx="1">
+            <a:schemeClr val="accent1"/>
+          </a:lnRef>
+          <a:fillRef idx="0">
+            <a:schemeClr val="accent1"/>
+          </a:fillRef>
+          <a:effectRef idx="0">
+            <a:schemeClr val="accent1"/>
+          </a:effectRef>
+          <a:fontRef idx="minor">
+            <a:schemeClr val="tx1"/>
+          </a:fontRef>
+        </p:style>
+      </p:cxnSp>
+      <p:cxnSp>
+        <p:nvCxnSpPr>
+          <p:cNvPr id="45" name="Straight Connector 44">
+            <a:extLst>
+              <a:ext uri="{FF2B5EF4-FFF2-40B4-BE49-F238E27FC236}">
+                <a16:creationId xmlns:a16="http://schemas.microsoft.com/office/drawing/2014/main" id="{BB66CA14-AC92-6D6A-9887-1CC8631D88FE}"/>
+              </a:ext>
+            </a:extLst>
+          </p:cNvPr>
+          <p:cNvCxnSpPr>
+            <a:cxnSpLocks/>
+          </p:cNvCxnSpPr>
+          <p:nvPr/>
+        </p:nvCxnSpPr>
+        <p:spPr>
+          <a:xfrm flipV="1">
+            <a:off x="7689878" y="3874814"/>
+            <a:ext cx="0" cy="971807"/>
+          </a:xfrm>
+          <a:prstGeom prst="line">
+            <a:avLst/>
+          </a:prstGeom>
+          <a:ln w="28575">
+            <a:solidFill>
+              <a:srgbClr val="FF0000"/>
+            </a:solidFill>
+          </a:ln>
+        </p:spPr>
+        <p:style>
+          <a:lnRef idx="1">
+            <a:schemeClr val="accent1"/>
+          </a:lnRef>
+          <a:fillRef idx="0">
+            <a:schemeClr val="accent1"/>
+          </a:fillRef>
+          <a:effectRef idx="0">
+            <a:schemeClr val="accent1"/>
+          </a:effectRef>
+          <a:fontRef idx="minor">
+            <a:schemeClr val="tx1"/>
+          </a:fontRef>
+        </p:style>
+      </p:cxnSp>
+      <p:cxnSp>
+        <p:nvCxnSpPr>
+          <p:cNvPr id="49" name="Straight Arrow Connector 48">
+            <a:extLst>
+              <a:ext uri="{FF2B5EF4-FFF2-40B4-BE49-F238E27FC236}">
+                <a16:creationId xmlns:a16="http://schemas.microsoft.com/office/drawing/2014/main" id="{7CB07927-87F6-3D10-35A4-20D1D19F5588}"/>
+              </a:ext>
+            </a:extLst>
+          </p:cNvPr>
+          <p:cNvCxnSpPr>
+            <a:cxnSpLocks/>
+          </p:cNvCxnSpPr>
+          <p:nvPr/>
+        </p:nvCxnSpPr>
+        <p:spPr>
+          <a:xfrm flipH="1" flipV="1">
+            <a:off x="2990511" y="3894527"/>
+            <a:ext cx="135086" cy="97597"/>
+          </a:xfrm>
+          <a:prstGeom prst="straightConnector1">
+            <a:avLst/>
+          </a:prstGeom>
+          <a:ln w="12700">
+            <a:solidFill>
+              <a:schemeClr val="accent6"/>
+            </a:solidFill>
+            <a:tailEnd type="triangle"/>
+          </a:ln>
+        </p:spPr>
+        <p:style>
+          <a:lnRef idx="1">
+            <a:schemeClr val="accent1"/>
+          </a:lnRef>
+          <a:fillRef idx="0">
+            <a:schemeClr val="accent1"/>
+          </a:fillRef>
+          <a:effectRef idx="0">
+            <a:schemeClr val="accent1"/>
+          </a:effectRef>
+          <a:fontRef idx="minor">
+            <a:schemeClr val="tx1"/>
+          </a:fontRef>
+        </p:style>
+      </p:cxnSp>
+      <p:sp>
+        <p:nvSpPr>
+          <p:cNvPr id="63" name="TextBox 62">
+            <a:extLst>
+              <a:ext uri="{FF2B5EF4-FFF2-40B4-BE49-F238E27FC236}">
+                <a16:creationId xmlns:a16="http://schemas.microsoft.com/office/drawing/2014/main" id="{E1B134E0-903A-8DAD-81A6-D0C196CF244A}"/>
+              </a:ext>
+            </a:extLst>
+          </p:cNvPr>
+          <p:cNvSpPr txBox="1"/>
+          <p:nvPr/>
+        </p:nvSpPr>
+        <p:spPr>
+          <a:xfrm>
+            <a:off x="3125598" y="3992124"/>
+            <a:ext cx="1234441" cy="611706"/>
+          </a:xfrm>
+          <a:prstGeom prst="rect">
+            <a:avLst/>
+          </a:prstGeom>
+          <a:noFill/>
+          <a:ln w="12700">
+            <a:solidFill>
+              <a:schemeClr val="accent6"/>
+            </a:solidFill>
+          </a:ln>
+        </p:spPr>
+        <p:txBody>
+          <a:bodyPr wrap="square" rtlCol="0">
+            <a:spAutoFit/>
+          </a:bodyPr>
+          <a:lstStyle/>
+          <a:p>
+            <a:r>
+              <a:rPr lang="en-US" sz="675" dirty="0"/>
+              <a:t>Speed control increases power to motor when motor stopped, causing sudden increase in speed when released</a:t>
+            </a:r>
+          </a:p>
+        </p:txBody>
+      </p:sp>
+      <p:cxnSp>
+        <p:nvCxnSpPr>
+          <p:cNvPr id="69" name="Straight Arrow Connector 68">
+            <a:extLst>
+              <a:ext uri="{FF2B5EF4-FFF2-40B4-BE49-F238E27FC236}">
+                <a16:creationId xmlns:a16="http://schemas.microsoft.com/office/drawing/2014/main" id="{F59E9676-C42B-D20C-4FAD-4815D4CD0EEF}"/>
+              </a:ext>
+            </a:extLst>
+          </p:cNvPr>
+          <p:cNvCxnSpPr>
+            <a:cxnSpLocks/>
+          </p:cNvCxnSpPr>
+          <p:nvPr/>
+        </p:nvCxnSpPr>
+        <p:spPr>
+          <a:xfrm flipH="1" flipV="1">
+            <a:off x="7804078" y="3872026"/>
+            <a:ext cx="135086" cy="97597"/>
+          </a:xfrm>
+          <a:prstGeom prst="straightConnector1">
+            <a:avLst/>
+          </a:prstGeom>
+          <a:ln w="12700">
+            <a:solidFill>
+              <a:schemeClr val="accent6"/>
+            </a:solidFill>
+            <a:tailEnd type="triangle"/>
+          </a:ln>
+        </p:spPr>
+        <p:style>
+          <a:lnRef idx="1">
+            <a:schemeClr val="accent1"/>
+          </a:lnRef>
+          <a:fillRef idx="0">
+            <a:schemeClr val="accent1"/>
+          </a:fillRef>
+          <a:effectRef idx="0">
+            <a:schemeClr val="accent1"/>
+          </a:effectRef>
+          <a:fontRef idx="minor">
+            <a:schemeClr val="tx1"/>
+          </a:fontRef>
+        </p:style>
+      </p:cxnSp>
+      <p:cxnSp>
+        <p:nvCxnSpPr>
+          <p:cNvPr id="73" name="Straight Arrow Connector 72">
+            <a:extLst>
+              <a:ext uri="{FF2B5EF4-FFF2-40B4-BE49-F238E27FC236}">
+                <a16:creationId xmlns:a16="http://schemas.microsoft.com/office/drawing/2014/main" id="{6FA0A013-F455-70DD-E08E-D26F778549BD}"/>
+              </a:ext>
+            </a:extLst>
+          </p:cNvPr>
+          <p:cNvCxnSpPr>
+            <a:cxnSpLocks/>
+          </p:cNvCxnSpPr>
+          <p:nvPr/>
+        </p:nvCxnSpPr>
+        <p:spPr>
+          <a:xfrm flipH="1" flipV="1">
+            <a:off x="5806455" y="4312558"/>
+            <a:ext cx="135086" cy="97597"/>
+          </a:xfrm>
+          <a:prstGeom prst="straightConnector1">
+            <a:avLst/>
+          </a:prstGeom>
+          <a:ln w="12700">
+            <a:solidFill>
+              <a:schemeClr val="accent6"/>
+            </a:solidFill>
+            <a:tailEnd type="triangle"/>
+          </a:ln>
+        </p:spPr>
+        <p:style>
+          <a:lnRef idx="1">
+            <a:schemeClr val="accent1"/>
+          </a:lnRef>
+          <a:fillRef idx="0">
+            <a:schemeClr val="accent1"/>
+          </a:fillRef>
+          <a:effectRef idx="0">
+            <a:schemeClr val="accent1"/>
+          </a:effectRef>
+          <a:fontRef idx="minor">
+            <a:schemeClr val="tx1"/>
+          </a:fontRef>
+        </p:style>
+      </p:cxnSp>
+      <p:cxnSp>
+        <p:nvCxnSpPr>
+          <p:cNvPr id="89" name="Straight Arrow Connector 88">
+            <a:extLst>
+              <a:ext uri="{FF2B5EF4-FFF2-40B4-BE49-F238E27FC236}">
+                <a16:creationId xmlns:a16="http://schemas.microsoft.com/office/drawing/2014/main" id="{6FA08ABA-6D36-F71A-54F2-D381AA89F148}"/>
+              </a:ext>
+            </a:extLst>
+          </p:cNvPr>
+          <p:cNvCxnSpPr>
+            <a:cxnSpLocks/>
+            <a:stCxn id="93" idx="2"/>
+          </p:cNvCxnSpPr>
+          <p:nvPr/>
+        </p:nvCxnSpPr>
+        <p:spPr>
+          <a:xfrm>
+            <a:off x="1162754" y="4165876"/>
+            <a:ext cx="18142" cy="58984"/>
+          </a:xfrm>
+          <a:prstGeom prst="straightConnector1">
+            <a:avLst/>
+          </a:prstGeom>
+          <a:ln w="12700">
+            <a:solidFill>
+              <a:srgbClr val="7030A0"/>
+            </a:solidFill>
+            <a:tailEnd type="triangle"/>
+          </a:ln>
+        </p:spPr>
+        <p:style>
+          <a:lnRef idx="1">
+            <a:schemeClr val="accent1"/>
+          </a:lnRef>
+          <a:fillRef idx="0">
+            <a:schemeClr val="accent1"/>
+          </a:fillRef>
+          <a:effectRef idx="0">
+            <a:schemeClr val="accent1"/>
+          </a:effectRef>
+          <a:fontRef idx="minor">
+            <a:schemeClr val="tx1"/>
+          </a:fontRef>
+        </p:style>
+      </p:cxnSp>
+      <p:sp>
+        <p:nvSpPr>
+          <p:cNvPr id="93" name="TextBox 92">
+            <a:extLst>
+              <a:ext uri="{FF2B5EF4-FFF2-40B4-BE49-F238E27FC236}">
+                <a16:creationId xmlns:a16="http://schemas.microsoft.com/office/drawing/2014/main" id="{4EF0AF93-2F19-7021-2210-69BDEA7E88D1}"/>
+              </a:ext>
+            </a:extLst>
+          </p:cNvPr>
+          <p:cNvSpPr txBox="1"/>
+          <p:nvPr/>
+        </p:nvSpPr>
+        <p:spPr>
+          <a:xfrm>
+            <a:off x="760654" y="3658045"/>
+            <a:ext cx="804200" cy="507831"/>
+          </a:xfrm>
+          <a:prstGeom prst="rect">
+            <a:avLst/>
+          </a:prstGeom>
+          <a:noFill/>
+          <a:ln w="12700">
+            <a:solidFill>
+              <a:srgbClr val="7030A0"/>
+            </a:solidFill>
+          </a:ln>
+        </p:spPr>
+        <p:txBody>
+          <a:bodyPr wrap="square" rtlCol="0">
+            <a:spAutoFit/>
+          </a:bodyPr>
+          <a:lstStyle/>
+          <a:p>
+            <a:r>
+              <a:rPr lang="en-US" sz="675" dirty="0"/>
+              <a:t>Synchronization slows other motor down to match</a:t>
+            </a:r>
+          </a:p>
+        </p:txBody>
+      </p:sp>
+      <p:cxnSp>
+        <p:nvCxnSpPr>
+          <p:cNvPr id="113" name="Straight Arrow Connector 112">
+            <a:extLst>
+              <a:ext uri="{FF2B5EF4-FFF2-40B4-BE49-F238E27FC236}">
+                <a16:creationId xmlns:a16="http://schemas.microsoft.com/office/drawing/2014/main" id="{7F6B445E-00C5-B657-6573-F9EB5E117069}"/>
+              </a:ext>
+            </a:extLst>
+          </p:cNvPr>
+          <p:cNvCxnSpPr>
+            <a:cxnSpLocks/>
+            <a:stCxn id="126" idx="2"/>
+          </p:cNvCxnSpPr>
+          <p:nvPr/>
+        </p:nvCxnSpPr>
+        <p:spPr>
+          <a:xfrm>
+            <a:off x="7361399" y="3245466"/>
+            <a:ext cx="444" cy="124880"/>
+          </a:xfrm>
+          <a:prstGeom prst="straightConnector1">
+            <a:avLst/>
+          </a:prstGeom>
+          <a:ln w="12700">
+            <a:solidFill>
+              <a:srgbClr val="7030A0"/>
+            </a:solidFill>
+            <a:tailEnd type="triangle"/>
+          </a:ln>
+        </p:spPr>
+        <p:style>
+          <a:lnRef idx="1">
+            <a:schemeClr val="accent1"/>
+          </a:lnRef>
+          <a:fillRef idx="0">
+            <a:schemeClr val="accent1"/>
+          </a:fillRef>
+          <a:effectRef idx="0">
+            <a:schemeClr val="accent1"/>
+          </a:effectRef>
+          <a:fontRef idx="minor">
+            <a:schemeClr val="tx1"/>
+          </a:fontRef>
+        </p:style>
+      </p:cxnSp>
+      <p:sp>
+        <p:nvSpPr>
+          <p:cNvPr id="126" name="TextBox 125">
+            <a:extLst>
+              <a:ext uri="{FF2B5EF4-FFF2-40B4-BE49-F238E27FC236}">
+                <a16:creationId xmlns:a16="http://schemas.microsoft.com/office/drawing/2014/main" id="{0C81DF7D-ABA7-9B69-968C-AB4BCA89F475}"/>
+              </a:ext>
+            </a:extLst>
+          </p:cNvPr>
+          <p:cNvSpPr txBox="1"/>
+          <p:nvPr/>
+        </p:nvSpPr>
+        <p:spPr>
+          <a:xfrm>
+            <a:off x="6921195" y="2945384"/>
+            <a:ext cx="880408" cy="300082"/>
+          </a:xfrm>
+          <a:prstGeom prst="rect">
+            <a:avLst/>
+          </a:prstGeom>
+          <a:noFill/>
+          <a:ln w="12700">
+            <a:solidFill>
+              <a:srgbClr val="7030A0"/>
+            </a:solidFill>
+          </a:ln>
+        </p:spPr>
+        <p:txBody>
+          <a:bodyPr wrap="square" rtlCol="0">
+            <a:spAutoFit/>
+          </a:bodyPr>
+          <a:lstStyle/>
+          <a:p>
+            <a:r>
+              <a:rPr lang="en-US" sz="675" dirty="0"/>
+              <a:t>Takes much longer time to stop motor</a:t>
+            </a:r>
+          </a:p>
+        </p:txBody>
+      </p:sp>
+      <p:sp>
+        <p:nvSpPr>
+          <p:cNvPr id="129" name="TextBox 128">
+            <a:extLst>
+              <a:ext uri="{FF2B5EF4-FFF2-40B4-BE49-F238E27FC236}">
+                <a16:creationId xmlns:a16="http://schemas.microsoft.com/office/drawing/2014/main" id="{B6711F1F-8958-06AE-6ADE-F531A045DE0C}"/>
+              </a:ext>
+            </a:extLst>
+          </p:cNvPr>
+          <p:cNvSpPr txBox="1"/>
+          <p:nvPr/>
+        </p:nvSpPr>
+        <p:spPr>
+          <a:xfrm>
+            <a:off x="559365" y="5577837"/>
+            <a:ext cx="8025271" cy="738664"/>
+          </a:xfrm>
+          <a:prstGeom prst="rect">
+            <a:avLst/>
+          </a:prstGeom>
+          <a:noFill/>
+        </p:spPr>
+        <p:txBody>
+          <a:bodyPr wrap="square" rtlCol="0">
+            <a:spAutoFit/>
+          </a:bodyPr>
+          <a:lstStyle/>
+          <a:p>
+            <a:r>
+              <a:rPr lang="en-US" sz="2100" dirty="0"/>
+              <a:t>Notice similar features or lack thereof in the graphs for the other blocks</a:t>
+            </a:r>
+          </a:p>
+        </p:txBody>
+      </p:sp>
+      <p:sp>
+        <p:nvSpPr>
+          <p:cNvPr id="130" name="Right Brace 129">
+            <a:extLst>
+              <a:ext uri="{FF2B5EF4-FFF2-40B4-BE49-F238E27FC236}">
+                <a16:creationId xmlns:a16="http://schemas.microsoft.com/office/drawing/2014/main" id="{B2F4C90E-AAB0-2D96-9507-4187C56D4C33}"/>
+              </a:ext>
+            </a:extLst>
+          </p:cNvPr>
+          <p:cNvSpPr/>
+          <p:nvPr/>
+        </p:nvSpPr>
+        <p:spPr>
+          <a:xfrm rot="16200000">
+            <a:off x="2549884" y="3434833"/>
+            <a:ext cx="97598" cy="719147"/>
+          </a:xfrm>
+          <a:prstGeom prst="rightBrace">
+            <a:avLst>
+              <a:gd name="adj1" fmla="val 53425"/>
+              <a:gd name="adj2" fmla="val 50000"/>
+            </a:avLst>
+          </a:prstGeom>
+          <a:ln w="12700">
+            <a:solidFill>
+              <a:srgbClr val="7030A0"/>
+            </a:solidFill>
+          </a:ln>
+        </p:spPr>
+        <p:style>
+          <a:lnRef idx="1">
+            <a:schemeClr val="accent1"/>
+          </a:lnRef>
+          <a:fillRef idx="0">
+            <a:schemeClr val="accent1"/>
+          </a:fillRef>
+          <a:effectRef idx="0">
+            <a:schemeClr val="accent1"/>
+          </a:effectRef>
+          <a:fontRef idx="minor">
+            <a:schemeClr val="tx1"/>
+          </a:fontRef>
+        </p:style>
+        <p:txBody>
+          <a:bodyPr rtlCol="0" anchor="ctr"/>
+          <a:lstStyle/>
+          <a:p>
+            <a:pPr algn="ctr"/>
+            <a:endParaRPr lang="en-US" sz="1350"/>
+          </a:p>
+        </p:txBody>
+      </p:sp>
+      <p:sp>
+        <p:nvSpPr>
+          <p:cNvPr id="131" name="Right Brace 130">
+            <a:extLst>
+              <a:ext uri="{FF2B5EF4-FFF2-40B4-BE49-F238E27FC236}">
+                <a16:creationId xmlns:a16="http://schemas.microsoft.com/office/drawing/2014/main" id="{EA784C77-4A2C-B33B-FCAF-86A202C60DBF}"/>
+              </a:ext>
+            </a:extLst>
+          </p:cNvPr>
+          <p:cNvSpPr/>
+          <p:nvPr/>
+        </p:nvSpPr>
+        <p:spPr>
+          <a:xfrm rot="15195250">
+            <a:off x="1145662" y="3894246"/>
+            <a:ext cx="97598" cy="804911"/>
+          </a:xfrm>
+          <a:prstGeom prst="rightBrace">
+            <a:avLst>
+              <a:gd name="adj1" fmla="val 53425"/>
+              <a:gd name="adj2" fmla="val 50000"/>
+            </a:avLst>
+          </a:prstGeom>
+          <a:ln w="12700">
+            <a:solidFill>
+              <a:srgbClr val="7030A0"/>
+            </a:solidFill>
+          </a:ln>
+        </p:spPr>
+        <p:style>
+          <a:lnRef idx="1">
+            <a:schemeClr val="accent1"/>
+          </a:lnRef>
+          <a:fillRef idx="0">
+            <a:schemeClr val="accent1"/>
+          </a:fillRef>
+          <a:effectRef idx="0">
+            <a:schemeClr val="accent1"/>
+          </a:effectRef>
+          <a:fontRef idx="minor">
+            <a:schemeClr val="tx1"/>
+          </a:fontRef>
+        </p:style>
+        <p:txBody>
+          <a:bodyPr rtlCol="0" anchor="ctr"/>
+          <a:lstStyle/>
+          <a:p>
+            <a:pPr algn="ctr"/>
+            <a:endParaRPr lang="en-US" sz="1350"/>
+          </a:p>
+        </p:txBody>
+      </p:sp>
+      <p:cxnSp>
+        <p:nvCxnSpPr>
+          <p:cNvPr id="132" name="Straight Arrow Connector 131">
+            <a:extLst>
+              <a:ext uri="{FF2B5EF4-FFF2-40B4-BE49-F238E27FC236}">
+                <a16:creationId xmlns:a16="http://schemas.microsoft.com/office/drawing/2014/main" id="{F902B9B3-EA4F-4BFD-C668-B1473B608147}"/>
+              </a:ext>
+            </a:extLst>
+          </p:cNvPr>
+          <p:cNvCxnSpPr>
+            <a:cxnSpLocks/>
+            <a:stCxn id="93" idx="3"/>
+          </p:cNvCxnSpPr>
+          <p:nvPr/>
+        </p:nvCxnSpPr>
+        <p:spPr>
+          <a:xfrm flipV="1">
+            <a:off x="1564854" y="3816357"/>
+            <a:ext cx="637877" cy="95604"/>
+          </a:xfrm>
+          <a:prstGeom prst="straightConnector1">
+            <a:avLst/>
+          </a:prstGeom>
+          <a:ln w="12700">
+            <a:solidFill>
+              <a:srgbClr val="7030A0"/>
+            </a:solidFill>
+            <a:tailEnd type="triangle"/>
+          </a:ln>
+        </p:spPr>
+        <p:style>
+          <a:lnRef idx="1">
+            <a:schemeClr val="accent1"/>
+          </a:lnRef>
+          <a:fillRef idx="0">
+            <a:schemeClr val="accent1"/>
+          </a:fillRef>
+          <a:effectRef idx="0">
+            <a:schemeClr val="accent1"/>
+          </a:effectRef>
+          <a:fontRef idx="minor">
+            <a:schemeClr val="tx1"/>
+          </a:fontRef>
+        </p:style>
+      </p:cxnSp>
+      <p:sp>
+        <p:nvSpPr>
+          <p:cNvPr id="140" name="Right Brace 139">
+            <a:extLst>
+              <a:ext uri="{FF2B5EF4-FFF2-40B4-BE49-F238E27FC236}">
+                <a16:creationId xmlns:a16="http://schemas.microsoft.com/office/drawing/2014/main" id="{14578590-34A0-2E74-394F-5D499B209685}"/>
+              </a:ext>
+            </a:extLst>
+          </p:cNvPr>
+          <p:cNvSpPr/>
+          <p:nvPr/>
+        </p:nvSpPr>
+        <p:spPr>
+          <a:xfrm rot="16200000">
+            <a:off x="7311800" y="2881617"/>
+            <a:ext cx="97598" cy="1109090"/>
+          </a:xfrm>
+          <a:prstGeom prst="rightBrace">
+            <a:avLst>
+              <a:gd name="adj1" fmla="val 53425"/>
+              <a:gd name="adj2" fmla="val 50000"/>
+            </a:avLst>
+          </a:prstGeom>
+          <a:ln w="12700">
+            <a:solidFill>
+              <a:srgbClr val="7030A0"/>
+            </a:solidFill>
+          </a:ln>
+        </p:spPr>
+        <p:style>
+          <a:lnRef idx="1">
+            <a:schemeClr val="accent1"/>
+          </a:lnRef>
+          <a:fillRef idx="0">
+            <a:schemeClr val="accent1"/>
+          </a:fillRef>
+          <a:effectRef idx="0">
+            <a:schemeClr val="accent1"/>
+          </a:effectRef>
+          <a:fontRef idx="minor">
+            <a:schemeClr val="tx1"/>
+          </a:fontRef>
+        </p:style>
+        <p:txBody>
+          <a:bodyPr rtlCol="0" anchor="ctr"/>
+          <a:lstStyle/>
+          <a:p>
+            <a:pPr algn="ctr"/>
+            <a:endParaRPr lang="en-US" sz="1350"/>
+          </a:p>
+        </p:txBody>
+      </p:sp>
+      <p:sp>
+        <p:nvSpPr>
+          <p:cNvPr id="141" name="Right Brace 140">
+            <a:extLst>
+              <a:ext uri="{FF2B5EF4-FFF2-40B4-BE49-F238E27FC236}">
+                <a16:creationId xmlns:a16="http://schemas.microsoft.com/office/drawing/2014/main" id="{96DC18DF-9C67-6C53-8FC3-F670E20793B2}"/>
+              </a:ext>
+            </a:extLst>
+          </p:cNvPr>
+          <p:cNvSpPr/>
+          <p:nvPr/>
+        </p:nvSpPr>
+        <p:spPr>
+          <a:xfrm rot="2576991">
+            <a:off x="2946870" y="3814958"/>
+            <a:ext cx="44945" cy="117803"/>
+          </a:xfrm>
+          <a:prstGeom prst="rightBrace">
+            <a:avLst>
+              <a:gd name="adj1" fmla="val 53425"/>
+              <a:gd name="adj2" fmla="val 50000"/>
+            </a:avLst>
+          </a:prstGeom>
+          <a:ln w="12700">
+            <a:solidFill>
+              <a:schemeClr val="accent6"/>
+            </a:solidFill>
+          </a:ln>
+        </p:spPr>
+        <p:style>
+          <a:lnRef idx="1">
+            <a:schemeClr val="accent1"/>
+          </a:lnRef>
+          <a:fillRef idx="0">
+            <a:schemeClr val="accent1"/>
+          </a:fillRef>
+          <a:effectRef idx="0">
+            <a:schemeClr val="accent1"/>
+          </a:effectRef>
+          <a:fontRef idx="minor">
+            <a:schemeClr val="tx1"/>
+          </a:fontRef>
+        </p:style>
+        <p:txBody>
+          <a:bodyPr rtlCol="0" anchor="ctr"/>
+          <a:lstStyle/>
+          <a:p>
+            <a:pPr algn="ctr"/>
+            <a:endParaRPr lang="en-US" sz="1350"/>
+          </a:p>
+        </p:txBody>
+      </p:sp>
+      <p:sp>
+        <p:nvSpPr>
+          <p:cNvPr id="142" name="Right Brace 141">
+            <a:extLst>
+              <a:ext uri="{FF2B5EF4-FFF2-40B4-BE49-F238E27FC236}">
+                <a16:creationId xmlns:a16="http://schemas.microsoft.com/office/drawing/2014/main" id="{28D13D61-BB4E-6D5E-B7A7-5A68713A28E8}"/>
+              </a:ext>
+            </a:extLst>
+          </p:cNvPr>
+          <p:cNvSpPr/>
+          <p:nvPr/>
+        </p:nvSpPr>
+        <p:spPr>
+          <a:xfrm rot="2576991">
+            <a:off x="5756978" y="4228631"/>
+            <a:ext cx="44945" cy="117803"/>
+          </a:xfrm>
+          <a:prstGeom prst="rightBrace">
+            <a:avLst>
+              <a:gd name="adj1" fmla="val 53425"/>
+              <a:gd name="adj2" fmla="val 50000"/>
+            </a:avLst>
+          </a:prstGeom>
+          <a:ln w="12700">
+            <a:solidFill>
+              <a:schemeClr val="accent6"/>
+            </a:solidFill>
+          </a:ln>
+        </p:spPr>
+        <p:style>
+          <a:lnRef idx="1">
+            <a:schemeClr val="accent1"/>
+          </a:lnRef>
+          <a:fillRef idx="0">
+            <a:schemeClr val="accent1"/>
+          </a:fillRef>
+          <a:effectRef idx="0">
+            <a:schemeClr val="accent1"/>
+          </a:effectRef>
+          <a:fontRef idx="minor">
+            <a:schemeClr val="tx1"/>
+          </a:fontRef>
+        </p:style>
+        <p:txBody>
+          <a:bodyPr rtlCol="0" anchor="ctr"/>
+          <a:lstStyle/>
+          <a:p>
+            <a:pPr algn="ctr"/>
+            <a:endParaRPr lang="en-US" sz="1350"/>
+          </a:p>
+        </p:txBody>
+      </p:sp>
+      <p:sp>
+        <p:nvSpPr>
+          <p:cNvPr id="143" name="Right Brace 142">
+            <a:extLst>
+              <a:ext uri="{FF2B5EF4-FFF2-40B4-BE49-F238E27FC236}">
+                <a16:creationId xmlns:a16="http://schemas.microsoft.com/office/drawing/2014/main" id="{BEDE63A4-8C1E-B1B2-292E-969B5840D61A}"/>
+              </a:ext>
+            </a:extLst>
+          </p:cNvPr>
+          <p:cNvSpPr/>
+          <p:nvPr/>
+        </p:nvSpPr>
+        <p:spPr>
+          <a:xfrm rot="2576991">
+            <a:off x="7757005" y="3791293"/>
+            <a:ext cx="44945" cy="117803"/>
+          </a:xfrm>
+          <a:prstGeom prst="rightBrace">
+            <a:avLst>
+              <a:gd name="adj1" fmla="val 53425"/>
+              <a:gd name="adj2" fmla="val 50000"/>
+            </a:avLst>
+          </a:prstGeom>
+          <a:ln w="12700">
+            <a:solidFill>
+              <a:schemeClr val="accent6"/>
+            </a:solidFill>
+          </a:ln>
+        </p:spPr>
+        <p:style>
+          <a:lnRef idx="1">
+            <a:schemeClr val="accent1"/>
+          </a:lnRef>
+          <a:fillRef idx="0">
+            <a:schemeClr val="accent1"/>
+          </a:fillRef>
+          <a:effectRef idx="0">
+            <a:schemeClr val="accent1"/>
+          </a:effectRef>
+          <a:fontRef idx="minor">
+            <a:schemeClr val="tx1"/>
+          </a:fontRef>
+        </p:style>
+        <p:txBody>
+          <a:bodyPr rtlCol="0" anchor="ctr"/>
+          <a:lstStyle/>
+          <a:p>
+            <a:pPr algn="ctr"/>
+            <a:endParaRPr lang="en-US" sz="1350"/>
+          </a:p>
+        </p:txBody>
+      </p:sp>
+      <p:sp>
+        <p:nvSpPr>
+          <p:cNvPr id="8" name="Title 1">
+            <a:extLst>
+              <a:ext uri="{FF2B5EF4-FFF2-40B4-BE49-F238E27FC236}">
+                <a16:creationId xmlns:a16="http://schemas.microsoft.com/office/drawing/2014/main" id="{644F85FB-6B31-DE86-0A33-927DC7ABAED0}"/>
               </a:ext>
             </a:extLst>
           </p:cNvPr>
@@ -9551,7 +12570,12 @@
             <p:ph type="title"/>
           </p:nvPr>
         </p:nvSpPr>
-        <p:spPr/>
+        <p:spPr>
+          <a:xfrm>
+            <a:off x="175260" y="292975"/>
+            <a:ext cx="8746864" cy="752706"/>
+          </a:xfrm>
+        </p:spPr>
         <p:txBody>
           <a:bodyPr/>
           <a:lstStyle/>
@@ -9565,10 +12589,10 @@
       </p:sp>
       <p:sp>
         <p:nvSpPr>
-          <p:cNvPr id="4" name="Footer Placeholder 3">
-            <a:extLst>
-              <a:ext uri="{FF2B5EF4-FFF2-40B4-BE49-F238E27FC236}">
-                <a16:creationId xmlns:a16="http://schemas.microsoft.com/office/drawing/2014/main" id="{04337A3E-28E4-2BB1-63A4-4156FA01BEA6}"/>
+          <p:cNvPr id="9" name="Footer Placeholder 8">
+            <a:extLst>
+              <a:ext uri="{FF2B5EF4-FFF2-40B4-BE49-F238E27FC236}">
+                <a16:creationId xmlns:a16="http://schemas.microsoft.com/office/drawing/2014/main" id="{699F0269-F093-161F-B4B1-B0BAEA2FF872}"/>
               </a:ext>
             </a:extLst>
           </p:cNvPr>
@@ -9592,94 +12616,10 @@
           </a:p>
         </p:txBody>
       </p:sp>
-      <p:sp>
-        <p:nvSpPr>
-          <p:cNvPr id="5" name="Slide Number Placeholder 4">
-            <a:extLst>
-              <a:ext uri="{FF2B5EF4-FFF2-40B4-BE49-F238E27FC236}">
-                <a16:creationId xmlns:a16="http://schemas.microsoft.com/office/drawing/2014/main" id="{643FE65C-D8B8-514A-269D-C4B90A44C259}"/>
-              </a:ext>
-            </a:extLst>
-          </p:cNvPr>
-          <p:cNvSpPr>
-            <a:spLocks noGrp="1"/>
-          </p:cNvSpPr>
-          <p:nvPr>
-            <p:ph type="sldNum" sz="quarter" idx="12"/>
-          </p:nvPr>
-        </p:nvSpPr>
-        <p:spPr/>
-        <p:txBody>
-          <a:bodyPr/>
-          <a:lstStyle/>
-          <a:p>
-            <a:fld id="{BBD74847-7BE4-4E4D-8159-51DF7B93C616}" type="slidenum">
-              <a:rPr lang="en-US" smtClean="0"/>
-              <a:t>7</a:t>
-            </a:fld>
-            <a:endParaRPr lang="en-US"/>
-          </a:p>
-        </p:txBody>
-      </p:sp>
-      <p:pic>
-        <p:nvPicPr>
-          <p:cNvPr id="10" name="Picture 9">
-            <a:extLst>
-              <a:ext uri="{FF2B5EF4-FFF2-40B4-BE49-F238E27FC236}">
-                <a16:creationId xmlns:a16="http://schemas.microsoft.com/office/drawing/2014/main" id="{6EB01DE0-ADE8-FD1C-4C91-F056406B4FC3}"/>
-              </a:ext>
-            </a:extLst>
-          </p:cNvPr>
-          <p:cNvPicPr>
-            <a:picLocks noChangeAspect="1"/>
-          </p:cNvPicPr>
-          <p:nvPr/>
-        </p:nvPicPr>
-        <p:blipFill>
-          <a:blip r:embed="rId2"/>
-          <a:stretch>
-            <a:fillRect/>
-          </a:stretch>
-        </p:blipFill>
-        <p:spPr>
-          <a:xfrm>
-            <a:off x="684678" y="1850632"/>
-            <a:ext cx="7772400" cy="4371975"/>
-          </a:xfrm>
-          <a:prstGeom prst="rect">
-            <a:avLst/>
-          </a:prstGeom>
-        </p:spPr>
-      </p:pic>
-      <p:sp>
-        <p:nvSpPr>
-          <p:cNvPr id="7" name="Content Placeholder 6">
-            <a:extLst>
-              <a:ext uri="{FF2B5EF4-FFF2-40B4-BE49-F238E27FC236}">
-                <a16:creationId xmlns:a16="http://schemas.microsoft.com/office/drawing/2014/main" id="{7E6D1470-396E-5692-D367-9BB031DFA353}"/>
-              </a:ext>
-            </a:extLst>
-          </p:cNvPr>
-          <p:cNvSpPr>
-            <a:spLocks noGrp="1"/>
-          </p:cNvSpPr>
-          <p:nvPr>
-            <p:ph idx="1"/>
-          </p:nvPr>
-        </p:nvSpPr>
-        <p:spPr/>
-        <p:txBody>
-          <a:bodyPr/>
-          <a:lstStyle/>
-          <a:p>
-            <a:endParaRPr lang="en-US" dirty="0"/>
-          </a:p>
-        </p:txBody>
-      </p:sp>
     </p:spTree>
     <p:extLst>
       <p:ext uri="{BB962C8B-B14F-4D97-AF65-F5344CB8AC3E}">
-        <p14:creationId xmlns:p14="http://schemas.microsoft.com/office/powerpoint/2010/main" val="2044633265"/>
+        <p14:creationId xmlns:p14="http://schemas.microsoft.com/office/powerpoint/2010/main" val="1728593011"/>
       </p:ext>
     </p:extLst>
   </p:cSld>
@@ -9706,123 +12646,12 @@
           <a:chExt cx="0" cy="0"/>
         </a:xfrm>
       </p:grpSpPr>
-      <p:sp>
-        <p:nvSpPr>
-          <p:cNvPr id="2" name="Title 1">
-            <a:extLst>
-              <a:ext uri="{FF2B5EF4-FFF2-40B4-BE49-F238E27FC236}">
-                <a16:creationId xmlns:a16="http://schemas.microsoft.com/office/drawing/2014/main" id="{3D97D6CF-F890-1AF5-E1DF-72FD909F62D0}"/>
-              </a:ext>
-            </a:extLst>
-          </p:cNvPr>
-          <p:cNvSpPr>
-            <a:spLocks noGrp="1"/>
-          </p:cNvSpPr>
-          <p:nvPr>
-            <p:ph type="title"/>
-          </p:nvPr>
-        </p:nvSpPr>
-        <p:spPr/>
-        <p:txBody>
-          <a:bodyPr/>
-          <a:lstStyle/>
-          <a:p>
-            <a:r>
-              <a:rPr lang="en-US" dirty="0"/>
-              <a:t>DIFFERENCES BETWEEN SPIKE 2 and SPIKE 3</a:t>
-            </a:r>
-          </a:p>
-        </p:txBody>
-      </p:sp>
-      <p:sp>
-        <p:nvSpPr>
-          <p:cNvPr id="3" name="Content Placeholder 2">
-            <a:extLst>
-              <a:ext uri="{FF2B5EF4-FFF2-40B4-BE49-F238E27FC236}">
-                <a16:creationId xmlns:a16="http://schemas.microsoft.com/office/drawing/2014/main" id="{ED7943F3-C618-5852-8374-C12849DDB531}"/>
-              </a:ext>
-            </a:extLst>
-          </p:cNvPr>
-          <p:cNvSpPr>
-            <a:spLocks noGrp="1"/>
-          </p:cNvSpPr>
-          <p:nvPr>
-            <p:ph idx="1"/>
-          </p:nvPr>
-        </p:nvSpPr>
-        <p:spPr/>
-        <p:txBody>
-          <a:bodyPr/>
-          <a:lstStyle/>
-          <a:p>
-            <a:endParaRPr lang="en-US" dirty="0"/>
-          </a:p>
-        </p:txBody>
-      </p:sp>
-      <p:sp>
-        <p:nvSpPr>
-          <p:cNvPr id="4" name="Footer Placeholder 3">
-            <a:extLst>
-              <a:ext uri="{FF2B5EF4-FFF2-40B4-BE49-F238E27FC236}">
-                <a16:creationId xmlns:a16="http://schemas.microsoft.com/office/drawing/2014/main" id="{04337A3E-28E4-2BB1-63A4-4156FA01BEA6}"/>
-              </a:ext>
-            </a:extLst>
-          </p:cNvPr>
-          <p:cNvSpPr>
-            <a:spLocks noGrp="1"/>
-          </p:cNvSpPr>
-          <p:nvPr>
-            <p:ph type="ftr" sz="quarter" idx="11"/>
-          </p:nvPr>
-        </p:nvSpPr>
-        <p:spPr/>
-        <p:txBody>
-          <a:bodyPr/>
-          <a:lstStyle/>
-          <a:p>
-            <a:r>
-              <a:rPr lang="en-US"/>
-              <a:t>Copyright © 2023 SPIKE Prime Lessons (primelessons.org) CC-BY-NC-SA.  (Last edit: 6/23/2023)</a:t>
-            </a:r>
-            <a:endParaRPr lang="en-US" dirty="0"/>
-          </a:p>
-        </p:txBody>
-      </p:sp>
-      <p:sp>
-        <p:nvSpPr>
-          <p:cNvPr id="5" name="Slide Number Placeholder 4">
-            <a:extLst>
-              <a:ext uri="{FF2B5EF4-FFF2-40B4-BE49-F238E27FC236}">
-                <a16:creationId xmlns:a16="http://schemas.microsoft.com/office/drawing/2014/main" id="{643FE65C-D8B8-514A-269D-C4B90A44C259}"/>
-              </a:ext>
-            </a:extLst>
-          </p:cNvPr>
-          <p:cNvSpPr>
-            <a:spLocks noGrp="1"/>
-          </p:cNvSpPr>
-          <p:nvPr>
-            <p:ph type="sldNum" sz="quarter" idx="12"/>
-          </p:nvPr>
-        </p:nvSpPr>
-        <p:spPr/>
-        <p:txBody>
-          <a:bodyPr/>
-          <a:lstStyle/>
-          <a:p>
-            <a:fld id="{BBD74847-7BE4-4E4D-8159-51DF7B93C616}" type="slidenum">
-              <a:rPr lang="en-US" smtClean="0"/>
-              <a:t>8</a:t>
-            </a:fld>
-            <a:endParaRPr lang="en-US"/>
-          </a:p>
-        </p:txBody>
-      </p:sp>
       <p:pic>
         <p:nvPicPr>
-          <p:cNvPr id="11" name="Picture 10">
-            <a:extLst>
-              <a:ext uri="{FF2B5EF4-FFF2-40B4-BE49-F238E27FC236}">
-                <a16:creationId xmlns:a16="http://schemas.microsoft.com/office/drawing/2014/main" id="{0342E306-1497-D7AB-CAE6-21CF5152F60B}"/>
+          <p:cNvPr id="8" name="Picture 7">
+            <a:extLst>
+              <a:ext uri="{FF2B5EF4-FFF2-40B4-BE49-F238E27FC236}">
+                <a16:creationId xmlns:a16="http://schemas.microsoft.com/office/drawing/2014/main" id="{7B012065-6CD1-3CAA-446B-6C96AF4BDB0A}"/>
               </a:ext>
             </a:extLst>
           </p:cNvPr>
@@ -9839,18 +12668,262 @@
         </p:blipFill>
         <p:spPr>
           <a:xfrm>
-            <a:off x="562428" y="1850632"/>
-            <a:ext cx="7772400" cy="4371975"/>
+            <a:off x="5443" y="1472787"/>
+            <a:ext cx="3494155" cy="719384"/>
           </a:xfrm>
           <a:prstGeom prst="rect">
             <a:avLst/>
           </a:prstGeom>
         </p:spPr>
       </p:pic>
+      <p:grpSp>
+        <p:nvGrpSpPr>
+          <p:cNvPr id="5" name="Group 4">
+            <a:extLst>
+              <a:ext uri="{FF2B5EF4-FFF2-40B4-BE49-F238E27FC236}">
+                <a16:creationId xmlns:a16="http://schemas.microsoft.com/office/drawing/2014/main" id="{9143743E-83C2-F37B-3C5B-14D8D11D3808}"/>
+              </a:ext>
+            </a:extLst>
+          </p:cNvPr>
+          <p:cNvGrpSpPr/>
+          <p:nvPr/>
+        </p:nvGrpSpPr>
+        <p:grpSpPr>
+          <a:xfrm>
+            <a:off x="111630" y="2623276"/>
+            <a:ext cx="8920742" cy="2724632"/>
+            <a:chOff x="155324" y="1475519"/>
+            <a:chExt cx="11894322" cy="3632842"/>
+          </a:xfrm>
+        </p:grpSpPr>
+        <p:pic>
+          <p:nvPicPr>
+            <p:cNvPr id="6" name="Picture 5" descr="Chart, line chart&#10;&#10;Description automatically generated">
+              <a:extLst>
+                <a:ext uri="{FF2B5EF4-FFF2-40B4-BE49-F238E27FC236}">
+                  <a16:creationId xmlns:a16="http://schemas.microsoft.com/office/drawing/2014/main" id="{335030AD-6D7C-21FB-30E2-78E7B9957B7A}"/>
+                </a:ext>
+              </a:extLst>
+            </p:cNvPr>
+            <p:cNvPicPr>
+              <a:picLocks noChangeAspect="1"/>
+            </p:cNvPicPr>
+            <p:nvPr/>
+          </p:nvPicPr>
+          <p:blipFill>
+            <a:blip r:embed="rId3">
+              <a:extLst>
+                <a:ext uri="{28A0092B-C50C-407E-A947-70E740481C1C}">
+                  <a14:useLocalDpi xmlns:a14="http://schemas.microsoft.com/office/drawing/2010/main" val="0"/>
+                </a:ext>
+              </a:extLst>
+            </a:blip>
+            <a:stretch>
+              <a:fillRect/>
+            </a:stretch>
+          </p:blipFill>
+          <p:spPr>
+            <a:xfrm>
+              <a:off x="155324" y="1925791"/>
+              <a:ext cx="5853003" cy="3182570"/>
+            </a:xfrm>
+            <a:prstGeom prst="rect">
+              <a:avLst/>
+            </a:prstGeom>
+            <a:ln w="28575">
+              <a:solidFill>
+                <a:schemeClr val="tx1"/>
+              </a:solidFill>
+            </a:ln>
+          </p:spPr>
+        </p:pic>
+        <p:pic>
+          <p:nvPicPr>
+            <p:cNvPr id="9" name="Picture 8" descr="Chart, line chart&#10;&#10;Description automatically generated">
+              <a:extLst>
+                <a:ext uri="{FF2B5EF4-FFF2-40B4-BE49-F238E27FC236}">
+                  <a16:creationId xmlns:a16="http://schemas.microsoft.com/office/drawing/2014/main" id="{C6E264BC-7312-2641-D57A-ED83967565F6}"/>
+                </a:ext>
+              </a:extLst>
+            </p:cNvPr>
+            <p:cNvPicPr>
+              <a:picLocks noChangeAspect="1"/>
+            </p:cNvPicPr>
+            <p:nvPr/>
+          </p:nvPicPr>
+          <p:blipFill>
+            <a:blip r:embed="rId4">
+              <a:extLst>
+                <a:ext uri="{28A0092B-C50C-407E-A947-70E740481C1C}">
+                  <a14:useLocalDpi xmlns:a14="http://schemas.microsoft.com/office/drawing/2010/main" val="0"/>
+                </a:ext>
+              </a:extLst>
+            </a:blip>
+            <a:stretch>
+              <a:fillRect/>
+            </a:stretch>
+          </p:blipFill>
+          <p:spPr>
+            <a:xfrm>
+              <a:off x="6196642" y="1919694"/>
+              <a:ext cx="5853002" cy="3188667"/>
+            </a:xfrm>
+            <a:prstGeom prst="rect">
+              <a:avLst/>
+            </a:prstGeom>
+            <a:ln w="28575">
+              <a:solidFill>
+                <a:schemeClr val="tx1"/>
+              </a:solidFill>
+            </a:ln>
+          </p:spPr>
+        </p:pic>
+        <p:sp>
+          <p:nvSpPr>
+            <p:cNvPr id="3" name="TextBox 2">
+              <a:extLst>
+                <a:ext uri="{FF2B5EF4-FFF2-40B4-BE49-F238E27FC236}">
+                  <a16:creationId xmlns:a16="http://schemas.microsoft.com/office/drawing/2014/main" id="{0E18C4C6-1C3F-F065-AD18-C026C78EFEEB}"/>
+                </a:ext>
+              </a:extLst>
+            </p:cNvPr>
+            <p:cNvSpPr txBox="1"/>
+            <p:nvPr/>
+          </p:nvSpPr>
+          <p:spPr>
+            <a:xfrm>
+              <a:off x="155324" y="1475519"/>
+              <a:ext cx="5853003" cy="430887"/>
+            </a:xfrm>
+            <a:prstGeom prst="rect">
+              <a:avLst/>
+            </a:prstGeom>
+            <a:noFill/>
+          </p:spPr>
+          <p:txBody>
+            <a:bodyPr wrap="square">
+              <a:spAutoFit/>
+            </a:bodyPr>
+            <a:lstStyle/>
+            <a:p>
+              <a:r>
+                <a:rPr lang="en-US" sz="1500" b="1" dirty="0"/>
+                <a:t>SPIKE Legacy (2.0.9) </a:t>
+              </a:r>
+              <a:endParaRPr lang="en-US" sz="1500" dirty="0"/>
+            </a:p>
+          </p:txBody>
+        </p:sp>
+        <p:sp>
+          <p:nvSpPr>
+            <p:cNvPr id="4" name="TextBox 3">
+              <a:extLst>
+                <a:ext uri="{FF2B5EF4-FFF2-40B4-BE49-F238E27FC236}">
+                  <a16:creationId xmlns:a16="http://schemas.microsoft.com/office/drawing/2014/main" id="{8A000E04-D025-ACD8-F7AE-708579AB613F}"/>
+                </a:ext>
+              </a:extLst>
+            </p:cNvPr>
+            <p:cNvSpPr txBox="1"/>
+            <p:nvPr/>
+          </p:nvSpPr>
+          <p:spPr>
+            <a:xfrm>
+              <a:off x="6196643" y="1475519"/>
+              <a:ext cx="5853003" cy="430887"/>
+            </a:xfrm>
+            <a:prstGeom prst="rect">
+              <a:avLst/>
+            </a:prstGeom>
+            <a:noFill/>
+          </p:spPr>
+          <p:txBody>
+            <a:bodyPr wrap="square">
+              <a:spAutoFit/>
+            </a:bodyPr>
+            <a:lstStyle/>
+            <a:p>
+              <a:r>
+                <a:rPr lang="en-US" sz="1500" b="1" dirty="0"/>
+                <a:t>SPIKE 3 (3.2.0)</a:t>
+              </a:r>
+              <a:endParaRPr lang="en-US" sz="1500" dirty="0"/>
+            </a:p>
+          </p:txBody>
+        </p:sp>
+      </p:grpSp>
+      <p:sp>
+        <p:nvSpPr>
+          <p:cNvPr id="2" name="Title 1">
+            <a:extLst>
+              <a:ext uri="{FF2B5EF4-FFF2-40B4-BE49-F238E27FC236}">
+                <a16:creationId xmlns:a16="http://schemas.microsoft.com/office/drawing/2014/main" id="{52681773-F31A-40FF-C1D3-173404D0C967}"/>
+              </a:ext>
+            </a:extLst>
+          </p:cNvPr>
+          <p:cNvSpPr>
+            <a:spLocks noGrp="1"/>
+          </p:cNvSpPr>
+          <p:nvPr>
+            <p:ph type="title"/>
+          </p:nvPr>
+        </p:nvSpPr>
+        <p:spPr>
+          <a:xfrm>
+            <a:off x="175260" y="292975"/>
+            <a:ext cx="8746864" cy="752706"/>
+          </a:xfrm>
+        </p:spPr>
+        <p:txBody>
+          <a:bodyPr/>
+          <a:lstStyle/>
+          <a:p>
+            <a:r>
+              <a:rPr lang="en-US" dirty="0"/>
+              <a:t>DIFFERENCES BETWEEN SPIKE 2 and SPIKE 3</a:t>
+            </a:r>
+          </a:p>
+        </p:txBody>
+      </p:sp>
+      <p:sp>
+        <p:nvSpPr>
+          <p:cNvPr id="7" name="Footer Placeholder 6">
+            <a:extLst>
+              <a:ext uri="{FF2B5EF4-FFF2-40B4-BE49-F238E27FC236}">
+                <a16:creationId xmlns:a16="http://schemas.microsoft.com/office/drawing/2014/main" id="{AD97BECF-071A-D830-5FEC-0223A3C3B3CE}"/>
+              </a:ext>
+            </a:extLst>
+          </p:cNvPr>
+          <p:cNvSpPr>
+            <a:spLocks noGrp="1"/>
+          </p:cNvSpPr>
+          <p:nvPr>
+            <p:ph type="ftr" sz="quarter" idx="11"/>
+          </p:nvPr>
+        </p:nvSpPr>
+        <p:spPr/>
+        <p:txBody>
+          <a:bodyPr/>
+          <a:lstStyle/>
+          <a:p>
+            <a:r>
+              <a:rPr lang="en-US" dirty="0"/>
+              <a:t>Copyright © 2023 SPIKE Prime Lessons (</a:t>
+            </a:r>
+            <a:r>
+              <a:rPr lang="en-US" dirty="0" err="1"/>
+              <a:t>primelessons.org</a:t>
+            </a:r>
+            <a:r>
+              <a:rPr lang="en-US" dirty="0"/>
+              <a:t>) CC-BY-NC-SA.  (Last edit: 6/23/2023)</a:t>
+            </a:r>
+          </a:p>
+        </p:txBody>
+      </p:sp>
     </p:spTree>
     <p:extLst>
       <p:ext uri="{BB962C8B-B14F-4D97-AF65-F5344CB8AC3E}">
-        <p14:creationId xmlns:p14="http://schemas.microsoft.com/office/powerpoint/2010/main" val="1484619492"/>
+        <p14:creationId xmlns:p14="http://schemas.microsoft.com/office/powerpoint/2010/main" val="2487195645"/>
       </p:ext>
     </p:extLst>
   </p:cSld>
@@ -9877,98 +12950,12 @@
           <a:chExt cx="0" cy="0"/>
         </a:xfrm>
       </p:grpSpPr>
-      <p:sp>
-        <p:nvSpPr>
-          <p:cNvPr id="2" name="Title 1">
-            <a:extLst>
-              <a:ext uri="{FF2B5EF4-FFF2-40B4-BE49-F238E27FC236}">
-                <a16:creationId xmlns:a16="http://schemas.microsoft.com/office/drawing/2014/main" id="{3D97D6CF-F890-1AF5-E1DF-72FD909F62D0}"/>
-              </a:ext>
-            </a:extLst>
-          </p:cNvPr>
-          <p:cNvSpPr>
-            <a:spLocks noGrp="1"/>
-          </p:cNvSpPr>
-          <p:nvPr>
-            <p:ph type="title"/>
-          </p:nvPr>
-        </p:nvSpPr>
-        <p:spPr/>
-        <p:txBody>
-          <a:bodyPr/>
-          <a:lstStyle/>
-          <a:p>
-            <a:r>
-              <a:rPr lang="en-US" dirty="0"/>
-              <a:t>DIFFERENCES BETWEEN SPIKE 2 and SPIKE 3</a:t>
-            </a:r>
-          </a:p>
-        </p:txBody>
-      </p:sp>
-      <p:sp>
-        <p:nvSpPr>
-          <p:cNvPr id="4" name="Footer Placeholder 3">
-            <a:extLst>
-              <a:ext uri="{FF2B5EF4-FFF2-40B4-BE49-F238E27FC236}">
-                <a16:creationId xmlns:a16="http://schemas.microsoft.com/office/drawing/2014/main" id="{04337A3E-28E4-2BB1-63A4-4156FA01BEA6}"/>
-              </a:ext>
-            </a:extLst>
-          </p:cNvPr>
-          <p:cNvSpPr>
-            <a:spLocks noGrp="1"/>
-          </p:cNvSpPr>
-          <p:nvPr>
-            <p:ph type="ftr" sz="quarter" idx="11"/>
-          </p:nvPr>
-        </p:nvSpPr>
-        <p:spPr/>
-        <p:txBody>
-          <a:bodyPr/>
-          <a:lstStyle/>
-          <a:p>
-            <a:r>
-              <a:rPr lang="en-US"/>
-              <a:t>Copyright © 2023 SPIKE Prime Lessons (primelessons.org) CC-BY-NC-SA.  (Last edit: 6/23/2023)</a:t>
-            </a:r>
-            <a:endParaRPr lang="en-US" dirty="0"/>
-          </a:p>
-        </p:txBody>
-      </p:sp>
-      <p:sp>
-        <p:nvSpPr>
-          <p:cNvPr id="5" name="Slide Number Placeholder 4">
-            <a:extLst>
-              <a:ext uri="{FF2B5EF4-FFF2-40B4-BE49-F238E27FC236}">
-                <a16:creationId xmlns:a16="http://schemas.microsoft.com/office/drawing/2014/main" id="{643FE65C-D8B8-514A-269D-C4B90A44C259}"/>
-              </a:ext>
-            </a:extLst>
-          </p:cNvPr>
-          <p:cNvSpPr>
-            <a:spLocks noGrp="1"/>
-          </p:cNvSpPr>
-          <p:nvPr>
-            <p:ph type="sldNum" sz="quarter" idx="12"/>
-          </p:nvPr>
-        </p:nvSpPr>
-        <p:spPr/>
-        <p:txBody>
-          <a:bodyPr/>
-          <a:lstStyle/>
-          <a:p>
-            <a:fld id="{BBD74847-7BE4-4E4D-8159-51DF7B93C616}" type="slidenum">
-              <a:rPr lang="en-US" smtClean="0"/>
-              <a:t>9</a:t>
-            </a:fld>
-            <a:endParaRPr lang="en-US"/>
-          </a:p>
-        </p:txBody>
-      </p:sp>
       <p:pic>
         <p:nvPicPr>
-          <p:cNvPr id="12" name="Picture 11">
-            <a:extLst>
-              <a:ext uri="{FF2B5EF4-FFF2-40B4-BE49-F238E27FC236}">
-                <a16:creationId xmlns:a16="http://schemas.microsoft.com/office/drawing/2014/main" id="{E8FEF17F-6D06-D8AD-BB10-BCFFA8FA5DA8}"/>
+          <p:cNvPr id="8" name="Picture 7">
+            <a:extLst>
+              <a:ext uri="{FF2B5EF4-FFF2-40B4-BE49-F238E27FC236}">
+                <a16:creationId xmlns:a16="http://schemas.microsoft.com/office/drawing/2014/main" id="{549CC662-D824-81C1-7FA8-7BC8C510A584}"/>
               </a:ext>
             </a:extLst>
           </p:cNvPr>
@@ -9985,20 +12972,244 @@
         </p:blipFill>
         <p:spPr>
           <a:xfrm>
-            <a:off x="573314" y="2127088"/>
-            <a:ext cx="7772400" cy="4371975"/>
+            <a:off x="55471" y="1759202"/>
+            <a:ext cx="3439547" cy="640910"/>
           </a:xfrm>
           <a:prstGeom prst="rect">
             <a:avLst/>
           </a:prstGeom>
         </p:spPr>
       </p:pic>
-      <p:sp>
-        <p:nvSpPr>
-          <p:cNvPr id="7" name="Content Placeholder 6">
-            <a:extLst>
-              <a:ext uri="{FF2B5EF4-FFF2-40B4-BE49-F238E27FC236}">
-                <a16:creationId xmlns:a16="http://schemas.microsoft.com/office/drawing/2014/main" id="{3E1F5480-18E8-72D0-87BA-F3D1CEE6ABFE}"/>
+      <p:grpSp>
+        <p:nvGrpSpPr>
+          <p:cNvPr id="13" name="Group 12">
+            <a:extLst>
+              <a:ext uri="{FF2B5EF4-FFF2-40B4-BE49-F238E27FC236}">
+                <a16:creationId xmlns:a16="http://schemas.microsoft.com/office/drawing/2014/main" id="{A89B7A2A-6671-4479-BA67-CA75A9DBD74E}"/>
+              </a:ext>
+            </a:extLst>
+          </p:cNvPr>
+          <p:cNvGrpSpPr/>
+          <p:nvPr/>
+        </p:nvGrpSpPr>
+        <p:grpSpPr>
+          <a:xfrm>
+            <a:off x="107520" y="2878728"/>
+            <a:ext cx="8928961" cy="2730563"/>
+            <a:chOff x="148839" y="1047502"/>
+            <a:chExt cx="11905281" cy="3640750"/>
+          </a:xfrm>
+        </p:grpSpPr>
+        <p:pic>
+          <p:nvPicPr>
+            <p:cNvPr id="5" name="Picture 4" descr="Chart, line chart&#10;&#10;Description automatically generated">
+              <a:extLst>
+                <a:ext uri="{FF2B5EF4-FFF2-40B4-BE49-F238E27FC236}">
+                  <a16:creationId xmlns:a16="http://schemas.microsoft.com/office/drawing/2014/main" id="{C64620B6-9D33-BEF2-9FC0-7BF093F88873}"/>
+                </a:ext>
+              </a:extLst>
+            </p:cNvPr>
+            <p:cNvPicPr>
+              <a:picLocks noChangeAspect="1"/>
+            </p:cNvPicPr>
+            <p:nvPr/>
+          </p:nvPicPr>
+          <p:blipFill rotWithShape="1">
+            <a:blip r:embed="rId3">
+              <a:extLst>
+                <a:ext uri="{28A0092B-C50C-407E-A947-70E740481C1C}">
+                  <a14:useLocalDpi xmlns:a14="http://schemas.microsoft.com/office/drawing/2010/main" val="0"/>
+                </a:ext>
+              </a:extLst>
+            </a:blip>
+            <a:srcRect r="287"/>
+            <a:stretch/>
+          </p:blipFill>
+          <p:spPr>
+            <a:xfrm>
+              <a:off x="148839" y="1491677"/>
+              <a:ext cx="5853003" cy="3188668"/>
+            </a:xfrm>
+            <a:prstGeom prst="rect">
+              <a:avLst/>
+            </a:prstGeom>
+            <a:ln w="28575">
+              <a:solidFill>
+                <a:schemeClr val="tx1"/>
+              </a:solidFill>
+            </a:ln>
+          </p:spPr>
+        </p:pic>
+        <p:sp>
+          <p:nvSpPr>
+            <p:cNvPr id="3" name="TextBox 2">
+              <a:extLst>
+                <a:ext uri="{FF2B5EF4-FFF2-40B4-BE49-F238E27FC236}">
+                  <a16:creationId xmlns:a16="http://schemas.microsoft.com/office/drawing/2014/main" id="{0E18C4C6-1C3F-F065-AD18-C026C78EFEEB}"/>
+                </a:ext>
+              </a:extLst>
+            </p:cNvPr>
+            <p:cNvSpPr txBox="1"/>
+            <p:nvPr/>
+          </p:nvSpPr>
+          <p:spPr>
+            <a:xfrm>
+              <a:off x="148839" y="1047502"/>
+              <a:ext cx="5853003" cy="430887"/>
+            </a:xfrm>
+            <a:prstGeom prst="rect">
+              <a:avLst/>
+            </a:prstGeom>
+            <a:noFill/>
+          </p:spPr>
+          <p:txBody>
+            <a:bodyPr wrap="square">
+              <a:spAutoFit/>
+            </a:bodyPr>
+            <a:lstStyle/>
+            <a:p>
+              <a:r>
+                <a:rPr lang="en-US" sz="1500" b="1" dirty="0"/>
+                <a:t>SPIKE Legacy (2.0.9) </a:t>
+              </a:r>
+              <a:endParaRPr lang="en-US" sz="1500" dirty="0"/>
+            </a:p>
+          </p:txBody>
+        </p:sp>
+        <p:sp>
+          <p:nvSpPr>
+            <p:cNvPr id="4" name="TextBox 3">
+              <a:extLst>
+                <a:ext uri="{FF2B5EF4-FFF2-40B4-BE49-F238E27FC236}">
+                  <a16:creationId xmlns:a16="http://schemas.microsoft.com/office/drawing/2014/main" id="{8A000E04-D025-ACD8-F7AE-708579AB613F}"/>
+                </a:ext>
+              </a:extLst>
+            </p:cNvPr>
+            <p:cNvSpPr txBox="1"/>
+            <p:nvPr/>
+          </p:nvSpPr>
+          <p:spPr>
+            <a:xfrm>
+              <a:off x="6190157" y="1047502"/>
+              <a:ext cx="5853003" cy="430887"/>
+            </a:xfrm>
+            <a:prstGeom prst="rect">
+              <a:avLst/>
+            </a:prstGeom>
+            <a:noFill/>
+          </p:spPr>
+          <p:txBody>
+            <a:bodyPr wrap="square">
+              <a:spAutoFit/>
+            </a:bodyPr>
+            <a:lstStyle/>
+            <a:p>
+              <a:r>
+                <a:rPr lang="en-US" sz="1500" b="1" dirty="0"/>
+                <a:t>SPIKE 3 (3.2.0)</a:t>
+              </a:r>
+              <a:endParaRPr lang="en-US" sz="1500" dirty="0"/>
+            </a:p>
+          </p:txBody>
+        </p:sp>
+        <p:sp>
+          <p:nvSpPr>
+            <p:cNvPr id="10" name="Rectangle 9">
+              <a:extLst>
+                <a:ext uri="{FF2B5EF4-FFF2-40B4-BE49-F238E27FC236}">
+                  <a16:creationId xmlns:a16="http://schemas.microsoft.com/office/drawing/2014/main" id="{26F722DF-248C-31C3-CF84-ACA3C16EC890}"/>
+                </a:ext>
+              </a:extLst>
+            </p:cNvPr>
+            <p:cNvSpPr/>
+            <p:nvPr/>
+          </p:nvSpPr>
+          <p:spPr>
+            <a:xfrm>
+              <a:off x="6183672" y="1478708"/>
+              <a:ext cx="5870448" cy="3209544"/>
+            </a:xfrm>
+            <a:prstGeom prst="rect">
+              <a:avLst/>
+            </a:prstGeom>
+            <a:noFill/>
+            <a:ln w="28575">
+              <a:solidFill>
+                <a:schemeClr val="tx1"/>
+              </a:solidFill>
+            </a:ln>
+          </p:spPr>
+          <p:style>
+            <a:lnRef idx="2">
+              <a:schemeClr val="accent1">
+                <a:shade val="50000"/>
+              </a:schemeClr>
+            </a:lnRef>
+            <a:fillRef idx="1">
+              <a:schemeClr val="accent1"/>
+            </a:fillRef>
+            <a:effectRef idx="0">
+              <a:schemeClr val="accent1"/>
+            </a:effectRef>
+            <a:fontRef idx="minor">
+              <a:schemeClr val="lt1"/>
+            </a:fontRef>
+          </p:style>
+          <p:txBody>
+            <a:bodyPr rtlCol="0" anchor="ctr"/>
+            <a:lstStyle/>
+            <a:p>
+              <a:pPr algn="ctr"/>
+              <a:r>
+                <a:rPr lang="en-US" sz="1350" dirty="0"/>
+                <a:t>1</a:t>
+              </a:r>
+            </a:p>
+          </p:txBody>
+        </p:sp>
+        <p:sp>
+          <p:nvSpPr>
+            <p:cNvPr id="12" name="TextBox 11">
+              <a:extLst>
+                <a:ext uri="{FF2B5EF4-FFF2-40B4-BE49-F238E27FC236}">
+                  <a16:creationId xmlns:a16="http://schemas.microsoft.com/office/drawing/2014/main" id="{90A7405D-B010-7710-C880-FAC3EEF9B84F}"/>
+                </a:ext>
+              </a:extLst>
+            </p:cNvPr>
+            <p:cNvSpPr txBox="1"/>
+            <p:nvPr/>
+          </p:nvSpPr>
+          <p:spPr>
+            <a:xfrm>
+              <a:off x="6805417" y="2852647"/>
+              <a:ext cx="4622479" cy="492443"/>
+            </a:xfrm>
+            <a:prstGeom prst="rect">
+              <a:avLst/>
+            </a:prstGeom>
+            <a:noFill/>
+          </p:spPr>
+          <p:txBody>
+            <a:bodyPr wrap="square">
+              <a:spAutoFit/>
+            </a:bodyPr>
+            <a:lstStyle/>
+            <a:p>
+              <a:pPr algn="ctr"/>
+              <a:r>
+                <a:rPr lang="en-US" b="1" dirty="0"/>
+                <a:t>Block no longer exists</a:t>
+              </a:r>
+            </a:p>
+          </p:txBody>
+        </p:sp>
+      </p:grpSp>
+      <p:sp>
+        <p:nvSpPr>
+          <p:cNvPr id="2" name="Title 1">
+            <a:extLst>
+              <a:ext uri="{FF2B5EF4-FFF2-40B4-BE49-F238E27FC236}">
+                <a16:creationId xmlns:a16="http://schemas.microsoft.com/office/drawing/2014/main" id="{8FCA140A-7600-1ABA-1323-7C7540EDE1C5}"/>
               </a:ext>
             </a:extLst>
           </p:cNvPr>
@@ -10006,22 +13217,59 @@
             <a:spLocks noGrp="1"/>
           </p:cNvSpPr>
           <p:nvPr>
-            <p:ph idx="1"/>
+            <p:ph type="title"/>
           </p:nvPr>
         </p:nvSpPr>
-        <p:spPr/>
+        <p:spPr>
+          <a:xfrm>
+            <a:off x="175260" y="292975"/>
+            <a:ext cx="8746864" cy="752706"/>
+          </a:xfrm>
+        </p:spPr>
         <p:txBody>
           <a:bodyPr/>
           <a:lstStyle/>
           <a:p>
-            <a:endParaRPr lang="en-US"/>
+            <a:r>
+              <a:rPr lang="en-US" dirty="0"/>
+              <a:t>DIFFERENCES BETWEEN SPIKE 2 and SPIKE 3</a:t>
+            </a:r>
+          </a:p>
+        </p:txBody>
+      </p:sp>
+      <p:sp>
+        <p:nvSpPr>
+          <p:cNvPr id="6" name="Footer Placeholder 5">
+            <a:extLst>
+              <a:ext uri="{FF2B5EF4-FFF2-40B4-BE49-F238E27FC236}">
+                <a16:creationId xmlns:a16="http://schemas.microsoft.com/office/drawing/2014/main" id="{70A97BDE-7A94-5F2A-4C6D-088BE696DD47}"/>
+              </a:ext>
+            </a:extLst>
+          </p:cNvPr>
+          <p:cNvSpPr>
+            <a:spLocks noGrp="1"/>
+          </p:cNvSpPr>
+          <p:nvPr>
+            <p:ph type="ftr" sz="quarter" idx="11"/>
+          </p:nvPr>
+        </p:nvSpPr>
+        <p:spPr/>
+        <p:txBody>
+          <a:bodyPr/>
+          <a:lstStyle/>
+          <a:p>
+            <a:r>
+              <a:rPr lang="en-US"/>
+              <a:t>Copyright © 2023 SPIKE Prime Lessons (primelessons.org) CC-BY-NC-SA.  (Last edit: 6/23/2023)</a:t>
+            </a:r>
+            <a:endParaRPr lang="en-US" dirty="0"/>
           </a:p>
         </p:txBody>
       </p:sp>
     </p:spTree>
     <p:extLst>
       <p:ext uri="{BB962C8B-B14F-4D97-AF65-F5344CB8AC3E}">
-        <p14:creationId xmlns:p14="http://schemas.microsoft.com/office/powerpoint/2010/main" val="3309497521"/>
+        <p14:creationId xmlns:p14="http://schemas.microsoft.com/office/powerpoint/2010/main" val="2724732165"/>
       </p:ext>
     </p:extLst>
   </p:cSld>
